--- a/prezentacja_lodoba_werminski.pptx
+++ b/prezentacja_lodoba_werminski.pptx
@@ -13,12 +13,12 @@
     <p:sldId id="260" r:id="rId7"/>
     <p:sldId id="268" r:id="rId8"/>
     <p:sldId id="261" r:id="rId9"/>
-    <p:sldId id="269" r:id="rId10"/>
-    <p:sldId id="262" r:id="rId11"/>
-    <p:sldId id="270" r:id="rId12"/>
-    <p:sldId id="263" r:id="rId13"/>
-    <p:sldId id="273" r:id="rId14"/>
-    <p:sldId id="274" r:id="rId15"/>
+    <p:sldId id="277" r:id="rId10"/>
+    <p:sldId id="269" r:id="rId11"/>
+    <p:sldId id="262" r:id="rId12"/>
+    <p:sldId id="270" r:id="rId13"/>
+    <p:sldId id="263" r:id="rId14"/>
+    <p:sldId id="273" r:id="rId15"/>
     <p:sldId id="264" r:id="rId16"/>
     <p:sldId id="276" r:id="rId17"/>
     <p:sldId id="275" r:id="rId18"/>
@@ -133,7 +133,7 @@
 </file>
 
 <file path=ppt/slideLayouts/slideLayout1.xml><?xml version="1.0" encoding="utf-8"?>
-<p:sldLayout xmlns:a="http://schemas.openxmlformats.org/drawingml/2006/main" xmlns:r="http://schemas.openxmlformats.org/officeDocument/2006/relationships" xmlns:p="http://schemas.openxmlformats.org/presentationml/2006/main" showMasterSp="0" type="title" preserve="1">
+<p:sldLayout xmlns:a="http://schemas.openxmlformats.org/drawingml/2006/main" xmlns:r="http://schemas.openxmlformats.org/officeDocument/2006/relationships" xmlns:p="http://schemas.openxmlformats.org/presentationml/2006/main" type="title" preserve="1">
   <p:cSld name="Slajd tytułowy">
     <p:spTree>
       <p:nvGrpSpPr>
@@ -189,7 +189,7 @@
           <a:noFill/>
           <a:extLst>
             <a:ext uri="{909E8E84-426E-40dd-AFC4-6F175D3DCCD1}">
-              <a14:hiddenFill xmlns="" xmlns:a14="http://schemas.microsoft.com/office/drawing/2010/main">
+              <a14:hiddenFill xmlns:a14="http://schemas.microsoft.com/office/drawing/2010/main" xmlns="">
                 <a:solidFill>
                   <a:srgbClr val="FFFFFF"/>
                 </a:solidFill>
@@ -248,7 +248,7 @@
             </a:ln>
             <a:extLst>
               <a:ext uri="{91240B29-F687-4f45-9708-019B960494DF}">
-                <a14:hiddenLine xmlns="" xmlns:a14="http://schemas.microsoft.com/office/drawing/2010/main" w="9525">
+                <a14:hiddenLine xmlns:a14="http://schemas.microsoft.com/office/drawing/2010/main" xmlns="" w="9525">
                   <a:solidFill>
                     <a:srgbClr val="000000"/>
                   </a:solidFill>
@@ -338,7 +338,7 @@
             </a:ln>
             <a:extLst>
               <a:ext uri="{91240B29-F687-4f45-9708-019B960494DF}">
-                <a14:hiddenLine xmlns="" xmlns:a14="http://schemas.microsoft.com/office/drawing/2010/main" w="9525">
+                <a14:hiddenLine xmlns:a14="http://schemas.microsoft.com/office/drawing/2010/main" xmlns="" w="9525">
                   <a:solidFill>
                     <a:srgbClr val="000000"/>
                   </a:solidFill>
@@ -428,7 +428,7 @@
             </a:ln>
             <a:extLst>
               <a:ext uri="{91240B29-F687-4f45-9708-019B960494DF}">
-                <a14:hiddenLine xmlns="" xmlns:a14="http://schemas.microsoft.com/office/drawing/2010/main" w="9525">
+                <a14:hiddenLine xmlns:a14="http://schemas.microsoft.com/office/drawing/2010/main" xmlns="" w="9525">
                   <a:solidFill>
                     <a:srgbClr val="000000"/>
                   </a:solidFill>
@@ -462,7 +462,7 @@
             </a:ln>
             <a:extLst>
               <a:ext uri="{91240B29-F687-4f45-9708-019B960494DF}">
-                <a14:hiddenLine xmlns="" xmlns:a14="http://schemas.microsoft.com/office/drawing/2010/main" w="9525">
+                <a14:hiddenLine xmlns:a14="http://schemas.microsoft.com/office/drawing/2010/main" xmlns="" w="9525">
                   <a:solidFill>
                     <a:srgbClr val="000000"/>
                   </a:solidFill>
@@ -552,7 +552,7 @@
             </a:ln>
             <a:extLst>
               <a:ext uri="{91240B29-F687-4f45-9708-019B960494DF}">
-                <a14:hiddenLine xmlns="" xmlns:a14="http://schemas.microsoft.com/office/drawing/2010/main" w="9525">
+                <a14:hiddenLine xmlns:a14="http://schemas.microsoft.com/office/drawing/2010/main" xmlns="" w="9525">
                   <a:solidFill>
                     <a:srgbClr val="000000"/>
                   </a:solidFill>
@@ -614,7 +614,7 @@
             </a:ln>
             <a:extLst>
               <a:ext uri="{91240B29-F687-4f45-9708-019B960494DF}">
-                <a14:hiddenLine xmlns="" xmlns:a14="http://schemas.microsoft.com/office/drawing/2010/main" w="9525">
+                <a14:hiddenLine xmlns:a14="http://schemas.microsoft.com/office/drawing/2010/main" xmlns="" w="9525">
                   <a:solidFill>
                     <a:srgbClr val="000000"/>
                   </a:solidFill>
@@ -676,7 +676,7 @@
             </a:ln>
             <a:extLst>
               <a:ext uri="{91240B29-F687-4f45-9708-019B960494DF}">
-                <a14:hiddenLine xmlns="" xmlns:a14="http://schemas.microsoft.com/office/drawing/2010/main" w="9525">
+                <a14:hiddenLine xmlns:a14="http://schemas.microsoft.com/office/drawing/2010/main" xmlns="" w="9525">
                   <a:solidFill>
                     <a:srgbClr val="000000"/>
                   </a:solidFill>
@@ -766,7 +766,7 @@
             </a:ln>
             <a:extLst>
               <a:ext uri="{91240B29-F687-4f45-9708-019B960494DF}">
-                <a14:hiddenLine xmlns="" xmlns:a14="http://schemas.microsoft.com/office/drawing/2010/main" w="9525">
+                <a14:hiddenLine xmlns:a14="http://schemas.microsoft.com/office/drawing/2010/main" xmlns="" w="9525">
                   <a:solidFill>
                     <a:srgbClr val="000000"/>
                   </a:solidFill>
@@ -828,7 +828,7 @@
             </a:ln>
             <a:extLst>
               <a:ext uri="{91240B29-F687-4f45-9708-019B960494DF}">
-                <a14:hiddenLine xmlns="" xmlns:a14="http://schemas.microsoft.com/office/drawing/2010/main" w="9525">
+                <a14:hiddenLine xmlns:a14="http://schemas.microsoft.com/office/drawing/2010/main" xmlns="" w="9525">
                   <a:solidFill>
                     <a:srgbClr val="000000"/>
                   </a:solidFill>
@@ -890,7 +890,7 @@
             </a:ln>
             <a:extLst>
               <a:ext uri="{91240B29-F687-4f45-9708-019B960494DF}">
-                <a14:hiddenLine xmlns="" xmlns:a14="http://schemas.microsoft.com/office/drawing/2010/main" w="9525">
+                <a14:hiddenLine xmlns:a14="http://schemas.microsoft.com/office/drawing/2010/main" xmlns="" w="9525">
                   <a:solidFill>
                     <a:srgbClr val="000000"/>
                   </a:solidFill>
@@ -980,7 +980,7 @@
             </a:ln>
             <a:extLst>
               <a:ext uri="{91240B29-F687-4f45-9708-019B960494DF}">
-                <a14:hiddenLine xmlns="" xmlns:a14="http://schemas.microsoft.com/office/drawing/2010/main" w="9525">
+                <a14:hiddenLine xmlns:a14="http://schemas.microsoft.com/office/drawing/2010/main" xmlns="" w="9525">
                   <a:solidFill>
                     <a:srgbClr val="000000"/>
                   </a:solidFill>
@@ -1070,7 +1070,7 @@
             </a:ln>
             <a:extLst>
               <a:ext uri="{91240B29-F687-4f45-9708-019B960494DF}">
-                <a14:hiddenLine xmlns="" xmlns:a14="http://schemas.microsoft.com/office/drawing/2010/main" w="9525">
+                <a14:hiddenLine xmlns:a14="http://schemas.microsoft.com/office/drawing/2010/main" xmlns="" w="9525">
                   <a:solidFill>
                     <a:srgbClr val="000000"/>
                   </a:solidFill>
@@ -1132,7 +1132,7 @@
             </a:ln>
             <a:extLst>
               <a:ext uri="{91240B29-F687-4f45-9708-019B960494DF}">
-                <a14:hiddenLine xmlns="" xmlns:a14="http://schemas.microsoft.com/office/drawing/2010/main" w="9525">
+                <a14:hiddenLine xmlns:a14="http://schemas.microsoft.com/office/drawing/2010/main" xmlns="" w="9525">
                   <a:solidFill>
                     <a:srgbClr val="000000"/>
                   </a:solidFill>
@@ -1242,7 +1242,7 @@
             </a:ln>
             <a:extLst>
               <a:ext uri="{91240B29-F687-4f45-9708-019B960494DF}">
-                <a14:hiddenLine xmlns="" xmlns:a14="http://schemas.microsoft.com/office/drawing/2010/main" w="9525">
+                <a14:hiddenLine xmlns:a14="http://schemas.microsoft.com/office/drawing/2010/main" xmlns="" w="9525">
                   <a:solidFill>
                     <a:srgbClr val="000000"/>
                   </a:solidFill>
@@ -1304,7 +1304,7 @@
             </a:ln>
             <a:extLst>
               <a:ext uri="{91240B29-F687-4f45-9708-019B960494DF}">
-                <a14:hiddenLine xmlns="" xmlns:a14="http://schemas.microsoft.com/office/drawing/2010/main" w="9525">
+                <a14:hiddenLine xmlns:a14="http://schemas.microsoft.com/office/drawing/2010/main" xmlns="" w="9525">
                   <a:solidFill>
                     <a:srgbClr val="000000"/>
                   </a:solidFill>
@@ -1394,7 +1394,7 @@
             </a:ln>
             <a:extLst>
               <a:ext uri="{91240B29-F687-4f45-9708-019B960494DF}">
-                <a14:hiddenLine xmlns="" xmlns:a14="http://schemas.microsoft.com/office/drawing/2010/main" w="9525">
+                <a14:hiddenLine xmlns:a14="http://schemas.microsoft.com/office/drawing/2010/main" xmlns="" w="9525">
                   <a:solidFill>
                     <a:srgbClr val="000000"/>
                   </a:solidFill>
@@ -1484,7 +1484,7 @@
             </a:ln>
             <a:extLst>
               <a:ext uri="{91240B29-F687-4f45-9708-019B960494DF}">
-                <a14:hiddenLine xmlns="" xmlns:a14="http://schemas.microsoft.com/office/drawing/2010/main" w="9525">
+                <a14:hiddenLine xmlns:a14="http://schemas.microsoft.com/office/drawing/2010/main" xmlns="" w="9525">
                   <a:solidFill>
                     <a:srgbClr val="000000"/>
                   </a:solidFill>
@@ -1546,7 +1546,7 @@
             </a:ln>
             <a:extLst>
               <a:ext uri="{91240B29-F687-4f45-9708-019B960494DF}">
-                <a14:hiddenLine xmlns="" xmlns:a14="http://schemas.microsoft.com/office/drawing/2010/main" w="9525">
+                <a14:hiddenLine xmlns:a14="http://schemas.microsoft.com/office/drawing/2010/main" xmlns="" w="9525">
                   <a:solidFill>
                     <a:srgbClr val="000000"/>
                   </a:solidFill>
@@ -1636,7 +1636,7 @@
             </a:ln>
             <a:extLst>
               <a:ext uri="{91240B29-F687-4f45-9708-019B960494DF}">
-                <a14:hiddenLine xmlns="" xmlns:a14="http://schemas.microsoft.com/office/drawing/2010/main" w="9525">
+                <a14:hiddenLine xmlns:a14="http://schemas.microsoft.com/office/drawing/2010/main" xmlns="" w="9525">
                   <a:solidFill>
                     <a:srgbClr val="000000"/>
                   </a:solidFill>
@@ -1726,7 +1726,7 @@
             </a:ln>
             <a:extLst>
               <a:ext uri="{91240B29-F687-4f45-9708-019B960494DF}">
-                <a14:hiddenLine xmlns="" xmlns:a14="http://schemas.microsoft.com/office/drawing/2010/main" w="9525">
+                <a14:hiddenLine xmlns:a14="http://schemas.microsoft.com/office/drawing/2010/main" xmlns="" w="9525">
                   <a:solidFill>
                     <a:srgbClr val="000000"/>
                   </a:solidFill>
@@ -1782,7 +1782,7 @@
             </a:ln>
             <a:extLst>
               <a:ext uri="{91240B29-F687-4f45-9708-019B960494DF}">
-                <a14:hiddenLine xmlns="" xmlns:a14="http://schemas.microsoft.com/office/drawing/2010/main" w="9525">
+                <a14:hiddenLine xmlns:a14="http://schemas.microsoft.com/office/drawing/2010/main" xmlns="" w="9525">
                   <a:solidFill>
                     <a:srgbClr val="000000"/>
                   </a:solidFill>
@@ -1872,7 +1872,7 @@
             </a:ln>
             <a:extLst>
               <a:ext uri="{91240B29-F687-4f45-9708-019B960494DF}">
-                <a14:hiddenLine xmlns="" xmlns:a14="http://schemas.microsoft.com/office/drawing/2010/main" w="9525">
+                <a14:hiddenLine xmlns:a14="http://schemas.microsoft.com/office/drawing/2010/main" xmlns="" w="9525">
                   <a:solidFill>
                     <a:srgbClr val="000000"/>
                   </a:solidFill>
@@ -1928,7 +1928,7 @@
             </a:ln>
             <a:extLst>
               <a:ext uri="{91240B29-F687-4f45-9708-019B960494DF}">
-                <a14:hiddenLine xmlns="" xmlns:a14="http://schemas.microsoft.com/office/drawing/2010/main" w="9525">
+                <a14:hiddenLine xmlns:a14="http://schemas.microsoft.com/office/drawing/2010/main" xmlns="" w="9525">
                   <a:solidFill>
                     <a:srgbClr val="000000"/>
                   </a:solidFill>
@@ -2018,7 +2018,7 @@
             </a:ln>
             <a:extLst>
               <a:ext uri="{91240B29-F687-4f45-9708-019B960494DF}">
-                <a14:hiddenLine xmlns="" xmlns:a14="http://schemas.microsoft.com/office/drawing/2010/main" w="9525">
+                <a14:hiddenLine xmlns:a14="http://schemas.microsoft.com/office/drawing/2010/main" xmlns="" w="9525">
                   <a:solidFill>
                     <a:srgbClr val="000000"/>
                   </a:solidFill>
@@ -2086,7 +2086,7 @@
             </a:ln>
             <a:extLst>
               <a:ext uri="{91240B29-F687-4f45-9708-019B960494DF}">
-                <a14:hiddenLine xmlns="" xmlns:a14="http://schemas.microsoft.com/office/drawing/2010/main" w="9525">
+                <a14:hiddenLine xmlns:a14="http://schemas.microsoft.com/office/drawing/2010/main" xmlns="" w="9525">
                   <a:solidFill>
                     <a:srgbClr val="000000"/>
                   </a:solidFill>
@@ -2176,7 +2176,7 @@
             </a:ln>
             <a:extLst>
               <a:ext uri="{91240B29-F687-4f45-9708-019B960494DF}">
-                <a14:hiddenLine xmlns="" xmlns:a14="http://schemas.microsoft.com/office/drawing/2010/main" w="9525">
+                <a14:hiddenLine xmlns:a14="http://schemas.microsoft.com/office/drawing/2010/main" xmlns="" w="9525">
                   <a:solidFill>
                     <a:srgbClr val="000000"/>
                   </a:solidFill>
@@ -2244,7 +2244,7 @@
             </a:ln>
             <a:extLst>
               <a:ext uri="{91240B29-F687-4f45-9708-019B960494DF}">
-                <a14:hiddenLine xmlns="" xmlns:a14="http://schemas.microsoft.com/office/drawing/2010/main" w="9525">
+                <a14:hiddenLine xmlns:a14="http://schemas.microsoft.com/office/drawing/2010/main" xmlns="" w="9525">
                   <a:solidFill>
                     <a:srgbClr val="000000"/>
                   </a:solidFill>
@@ -2334,7 +2334,7 @@
             </a:ln>
             <a:extLst>
               <a:ext uri="{91240B29-F687-4f45-9708-019B960494DF}">
-                <a14:hiddenLine xmlns="" xmlns:a14="http://schemas.microsoft.com/office/drawing/2010/main" w="9525">
+                <a14:hiddenLine xmlns:a14="http://schemas.microsoft.com/office/drawing/2010/main" xmlns="" w="9525">
                   <a:solidFill>
                     <a:srgbClr val="000000"/>
                   </a:solidFill>
@@ -2368,7 +2368,7 @@
             </a:ln>
             <a:extLst>
               <a:ext uri="{91240B29-F687-4f45-9708-019B960494DF}">
-                <a14:hiddenLine xmlns="" xmlns:a14="http://schemas.microsoft.com/office/drawing/2010/main" w="9525">
+                <a14:hiddenLine xmlns:a14="http://schemas.microsoft.com/office/drawing/2010/main" xmlns="" w="9525">
                   <a:solidFill>
                     <a:srgbClr val="000000"/>
                   </a:solidFill>
@@ -2458,7 +2458,7 @@
             </a:ln>
             <a:extLst>
               <a:ext uri="{91240B29-F687-4f45-9708-019B960494DF}">
-                <a14:hiddenLine xmlns="" xmlns:a14="http://schemas.microsoft.com/office/drawing/2010/main" w="9525">
+                <a14:hiddenLine xmlns:a14="http://schemas.microsoft.com/office/drawing/2010/main" xmlns="" w="9525">
                   <a:solidFill>
                     <a:srgbClr val="000000"/>
                   </a:solidFill>
@@ -2520,7 +2520,7 @@
             </a:ln>
             <a:extLst>
               <a:ext uri="{91240B29-F687-4f45-9708-019B960494DF}">
-                <a14:hiddenLine xmlns="" xmlns:a14="http://schemas.microsoft.com/office/drawing/2010/main" w="9525">
+                <a14:hiddenLine xmlns:a14="http://schemas.microsoft.com/office/drawing/2010/main" xmlns="" w="9525">
                   <a:solidFill>
                     <a:srgbClr val="000000"/>
                   </a:solidFill>
@@ -2582,7 +2582,7 @@
             </a:ln>
             <a:extLst>
               <a:ext uri="{91240B29-F687-4f45-9708-019B960494DF}">
-                <a14:hiddenLine xmlns="" xmlns:a14="http://schemas.microsoft.com/office/drawing/2010/main" w="9525">
+                <a14:hiddenLine xmlns:a14="http://schemas.microsoft.com/office/drawing/2010/main" xmlns="" w="9525">
                   <a:solidFill>
                     <a:srgbClr val="000000"/>
                   </a:solidFill>
@@ -2672,7 +2672,7 @@
             </a:ln>
             <a:extLst>
               <a:ext uri="{91240B29-F687-4f45-9708-019B960494DF}">
-                <a14:hiddenLine xmlns="" xmlns:a14="http://schemas.microsoft.com/office/drawing/2010/main" w="9525">
+                <a14:hiddenLine xmlns:a14="http://schemas.microsoft.com/office/drawing/2010/main" xmlns="" w="9525">
                   <a:solidFill>
                     <a:srgbClr val="000000"/>
                   </a:solidFill>
@@ -2740,7 +2740,7 @@
             </a:ln>
             <a:extLst>
               <a:ext uri="{91240B29-F687-4f45-9708-019B960494DF}">
-                <a14:hiddenLine xmlns="" xmlns:a14="http://schemas.microsoft.com/office/drawing/2010/main" w="9525">
+                <a14:hiddenLine xmlns:a14="http://schemas.microsoft.com/office/drawing/2010/main" xmlns="" w="9525">
                   <a:solidFill>
                     <a:srgbClr val="000000"/>
                   </a:solidFill>
@@ -2802,7 +2802,7 @@
             </a:ln>
             <a:extLst>
               <a:ext uri="{91240B29-F687-4f45-9708-019B960494DF}">
-                <a14:hiddenLine xmlns="" xmlns:a14="http://schemas.microsoft.com/office/drawing/2010/main" w="9525">
+                <a14:hiddenLine xmlns:a14="http://schemas.microsoft.com/office/drawing/2010/main" xmlns="" w="9525">
                   <a:solidFill>
                     <a:srgbClr val="000000"/>
                   </a:solidFill>
@@ -2892,7 +2892,7 @@
             </a:ln>
             <a:extLst>
               <a:ext uri="{91240B29-F687-4f45-9708-019B960494DF}">
-                <a14:hiddenLine xmlns="" xmlns:a14="http://schemas.microsoft.com/office/drawing/2010/main" w="9525">
+                <a14:hiddenLine xmlns:a14="http://schemas.microsoft.com/office/drawing/2010/main" xmlns="" w="9525">
                   <a:solidFill>
                     <a:srgbClr val="000000"/>
                   </a:solidFill>
@@ -2954,7 +2954,7 @@
             </a:ln>
             <a:extLst>
               <a:ext uri="{91240B29-F687-4f45-9708-019B960494DF}">
-                <a14:hiddenLine xmlns="" xmlns:a14="http://schemas.microsoft.com/office/drawing/2010/main" w="9525">
+                <a14:hiddenLine xmlns:a14="http://schemas.microsoft.com/office/drawing/2010/main" xmlns="" w="9525">
                   <a:solidFill>
                     <a:srgbClr val="000000"/>
                   </a:solidFill>
@@ -3044,7 +3044,7 @@
             </a:ln>
             <a:extLst>
               <a:ext uri="{91240B29-F687-4f45-9708-019B960494DF}">
-                <a14:hiddenLine xmlns="" xmlns:a14="http://schemas.microsoft.com/office/drawing/2010/main" w="9525">
+                <a14:hiddenLine xmlns:a14="http://schemas.microsoft.com/office/drawing/2010/main" xmlns="" w="9525">
                   <a:solidFill>
                     <a:srgbClr val="000000"/>
                   </a:solidFill>
@@ -3106,7 +3106,7 @@
             </a:ln>
             <a:extLst>
               <a:ext uri="{91240B29-F687-4f45-9708-019B960494DF}">
-                <a14:hiddenLine xmlns="" xmlns:a14="http://schemas.microsoft.com/office/drawing/2010/main" w="9525">
+                <a14:hiddenLine xmlns:a14="http://schemas.microsoft.com/office/drawing/2010/main" xmlns="" w="9525">
                   <a:solidFill>
                     <a:srgbClr val="000000"/>
                   </a:solidFill>
@@ -3196,7 +3196,7 @@
             </a:ln>
             <a:extLst>
               <a:ext uri="{91240B29-F687-4f45-9708-019B960494DF}">
-                <a14:hiddenLine xmlns="" xmlns:a14="http://schemas.microsoft.com/office/drawing/2010/main" w="9525">
+                <a14:hiddenLine xmlns:a14="http://schemas.microsoft.com/office/drawing/2010/main" xmlns="" w="9525">
                   <a:solidFill>
                     <a:srgbClr val="000000"/>
                   </a:solidFill>
@@ -3230,7 +3230,7 @@
             </a:ln>
             <a:extLst>
               <a:ext uri="{91240B29-F687-4f45-9708-019B960494DF}">
-                <a14:hiddenLine xmlns="" xmlns:a14="http://schemas.microsoft.com/office/drawing/2010/main" w="9525">
+                <a14:hiddenLine xmlns:a14="http://schemas.microsoft.com/office/drawing/2010/main" xmlns="" w="9525">
                   <a:solidFill>
                     <a:srgbClr val="000000"/>
                   </a:solidFill>
@@ -3295,7 +3295,7 @@
             </a:ln>
             <a:extLst>
               <a:ext uri="{91240B29-F687-4f45-9708-019B960494DF}">
-                <a14:hiddenLine xmlns="" xmlns:a14="http://schemas.microsoft.com/office/drawing/2010/main" w="9525">
+                <a14:hiddenLine xmlns:a14="http://schemas.microsoft.com/office/drawing/2010/main" xmlns="" w="9525">
                   <a:solidFill>
                     <a:srgbClr val="000000"/>
                   </a:solidFill>
@@ -3385,7 +3385,7 @@
             </a:ln>
             <a:extLst>
               <a:ext uri="{91240B29-F687-4f45-9708-019B960494DF}">
-                <a14:hiddenLine xmlns="" xmlns:a14="http://schemas.microsoft.com/office/drawing/2010/main" w="9525">
+                <a14:hiddenLine xmlns:a14="http://schemas.microsoft.com/office/drawing/2010/main" xmlns="" w="9525">
                   <a:solidFill>
                     <a:srgbClr val="000000"/>
                   </a:solidFill>
@@ -3447,7 +3447,7 @@
             </a:ln>
             <a:extLst>
               <a:ext uri="{91240B29-F687-4f45-9708-019B960494DF}">
-                <a14:hiddenLine xmlns="" xmlns:a14="http://schemas.microsoft.com/office/drawing/2010/main" w="9525">
+                <a14:hiddenLine xmlns:a14="http://schemas.microsoft.com/office/drawing/2010/main" xmlns="" w="9525">
                   <a:solidFill>
                     <a:srgbClr val="000000"/>
                   </a:solidFill>
@@ -3537,7 +3537,7 @@
             </a:ln>
             <a:extLst>
               <a:ext uri="{91240B29-F687-4f45-9708-019B960494DF}">
-                <a14:hiddenLine xmlns="" xmlns:a14="http://schemas.microsoft.com/office/drawing/2010/main" w="9525">
+                <a14:hiddenLine xmlns:a14="http://schemas.microsoft.com/office/drawing/2010/main" xmlns="" w="9525">
                   <a:solidFill>
                     <a:srgbClr val="000000"/>
                   </a:solidFill>
@@ -3627,7 +3627,7 @@
             </a:ln>
             <a:extLst>
               <a:ext uri="{91240B29-F687-4f45-9708-019B960494DF}">
-                <a14:hiddenLine xmlns="" xmlns:a14="http://schemas.microsoft.com/office/drawing/2010/main" w="9525">
+                <a14:hiddenLine xmlns:a14="http://schemas.microsoft.com/office/drawing/2010/main" xmlns="" w="9525">
                   <a:solidFill>
                     <a:srgbClr val="000000"/>
                   </a:solidFill>
@@ -3692,7 +3692,7 @@
             </a:ln>
             <a:extLst>
               <a:ext uri="{91240B29-F687-4f45-9708-019B960494DF}">
-                <a14:hiddenLine xmlns="" xmlns:a14="http://schemas.microsoft.com/office/drawing/2010/main" w="9525">
+                <a14:hiddenLine xmlns:a14="http://schemas.microsoft.com/office/drawing/2010/main" xmlns="" w="9525">
                   <a:solidFill>
                     <a:srgbClr val="000000"/>
                   </a:solidFill>
@@ -3754,7 +3754,7 @@
             </a:ln>
             <a:extLst>
               <a:ext uri="{91240B29-F687-4f45-9708-019B960494DF}">
-                <a14:hiddenLine xmlns="" xmlns:a14="http://schemas.microsoft.com/office/drawing/2010/main" w="9525">
+                <a14:hiddenLine xmlns:a14="http://schemas.microsoft.com/office/drawing/2010/main" xmlns="" w="9525">
                   <a:solidFill>
                     <a:srgbClr val="000000"/>
                   </a:solidFill>
@@ -3844,7 +3844,7 @@
             </a:ln>
             <a:extLst>
               <a:ext uri="{91240B29-F687-4f45-9708-019B960494DF}">
-                <a14:hiddenLine xmlns="" xmlns:a14="http://schemas.microsoft.com/office/drawing/2010/main" w="9525">
+                <a14:hiddenLine xmlns:a14="http://schemas.microsoft.com/office/drawing/2010/main" xmlns="" w="9525">
                   <a:solidFill>
                     <a:srgbClr val="000000"/>
                   </a:solidFill>
@@ -3934,7 +3934,7 @@
             </a:ln>
             <a:extLst>
               <a:ext uri="{91240B29-F687-4f45-9708-019B960494DF}">
-                <a14:hiddenLine xmlns="" xmlns:a14="http://schemas.microsoft.com/office/drawing/2010/main" w="9525">
+                <a14:hiddenLine xmlns:a14="http://schemas.microsoft.com/office/drawing/2010/main" xmlns="" w="9525">
                   <a:solidFill>
                     <a:srgbClr val="000000"/>
                   </a:solidFill>
@@ -3996,7 +3996,7 @@
             </a:ln>
             <a:extLst>
               <a:ext uri="{91240B29-F687-4f45-9708-019B960494DF}">
-                <a14:hiddenLine xmlns="" xmlns:a14="http://schemas.microsoft.com/office/drawing/2010/main" w="9525">
+                <a14:hiddenLine xmlns:a14="http://schemas.microsoft.com/office/drawing/2010/main" xmlns="" w="9525">
                   <a:solidFill>
                     <a:srgbClr val="000000"/>
                   </a:solidFill>
@@ -4116,7 +4116,7 @@
             </a:ln>
             <a:extLst>
               <a:ext uri="{91240B29-F687-4f45-9708-019B960494DF}">
-                <a14:hiddenLine xmlns="" xmlns:a14="http://schemas.microsoft.com/office/drawing/2010/main" w="9525">
+                <a14:hiddenLine xmlns:a14="http://schemas.microsoft.com/office/drawing/2010/main" xmlns="" w="9525">
                   <a:solidFill>
                     <a:srgbClr val="000000"/>
                   </a:solidFill>
@@ -4184,7 +4184,7 @@
             </a:ln>
             <a:extLst>
               <a:ext uri="{91240B29-F687-4f45-9708-019B960494DF}">
-                <a14:hiddenLine xmlns="" xmlns:a14="http://schemas.microsoft.com/office/drawing/2010/main" w="9525">
+                <a14:hiddenLine xmlns:a14="http://schemas.microsoft.com/office/drawing/2010/main" xmlns="" w="9525">
                   <a:solidFill>
                     <a:srgbClr val="000000"/>
                   </a:solidFill>
@@ -4274,7 +4274,7 @@
             </a:ln>
             <a:extLst>
               <a:ext uri="{91240B29-F687-4f45-9708-019B960494DF}">
-                <a14:hiddenLine xmlns="" xmlns:a14="http://schemas.microsoft.com/office/drawing/2010/main" w="9525">
+                <a14:hiddenLine xmlns:a14="http://schemas.microsoft.com/office/drawing/2010/main" xmlns="" w="9525">
                   <a:solidFill>
                     <a:srgbClr val="000000"/>
                   </a:solidFill>
@@ -9030,9 +9030,12 @@
 <p:sldMaster xmlns:a="http://schemas.openxmlformats.org/drawingml/2006/main" xmlns:r="http://schemas.openxmlformats.org/officeDocument/2006/relationships" xmlns:p="http://schemas.openxmlformats.org/presentationml/2006/main">
   <p:cSld>
     <p:bg>
-      <p:bgRef idx="1003">
-        <a:schemeClr val="bg2"/>
-      </p:bgRef>
+      <p:bgPr>
+        <a:solidFill>
+          <a:schemeClr val="bg2"/>
+        </a:solidFill>
+        <a:effectLst/>
+      </p:bgPr>
     </p:bg>
     <p:spTree>
       <p:nvGrpSpPr>
@@ -9088,7 +9091,7 @@
           <a:noFill/>
           <a:extLst>
             <a:ext uri="{909E8E84-426E-40dd-AFC4-6F175D3DCCD1}">
-              <a14:hiddenFill xmlns="" xmlns:a14="http://schemas.microsoft.com/office/drawing/2010/main">
+              <a14:hiddenFill xmlns:a14="http://schemas.microsoft.com/office/drawing/2010/main" xmlns="">
                 <a:solidFill>
                   <a:srgbClr val="FFFFFF"/>
                 </a:solidFill>
@@ -9162,7 +9165,7 @@
               </a:ln>
               <a:extLst>
                 <a:ext uri="{91240B29-F687-4f45-9708-019B960494DF}">
-                  <a14:hiddenLine xmlns="" xmlns:a14="http://schemas.microsoft.com/office/drawing/2010/main" w="9525">
+                  <a14:hiddenLine xmlns:a14="http://schemas.microsoft.com/office/drawing/2010/main" xmlns="" w="9525">
                     <a:solidFill>
                       <a:srgbClr val="000000"/>
                     </a:solidFill>
@@ -9252,7 +9255,7 @@
               </a:ln>
               <a:extLst>
                 <a:ext uri="{91240B29-F687-4f45-9708-019B960494DF}">
-                  <a14:hiddenLine xmlns="" xmlns:a14="http://schemas.microsoft.com/office/drawing/2010/main" w="9525">
+                  <a14:hiddenLine xmlns:a14="http://schemas.microsoft.com/office/drawing/2010/main" xmlns="" w="9525">
                     <a:solidFill>
                       <a:srgbClr val="000000"/>
                     </a:solidFill>
@@ -9342,7 +9345,7 @@
               </a:ln>
               <a:extLst>
                 <a:ext uri="{91240B29-F687-4f45-9708-019B960494DF}">
-                  <a14:hiddenLine xmlns="" xmlns:a14="http://schemas.microsoft.com/office/drawing/2010/main" w="9525">
+                  <a14:hiddenLine xmlns:a14="http://schemas.microsoft.com/office/drawing/2010/main" xmlns="" w="9525">
                     <a:solidFill>
                       <a:srgbClr val="000000"/>
                     </a:solidFill>
@@ -9404,7 +9407,7 @@
               </a:ln>
               <a:extLst>
                 <a:ext uri="{91240B29-F687-4f45-9708-019B960494DF}">
-                  <a14:hiddenLine xmlns="" xmlns:a14="http://schemas.microsoft.com/office/drawing/2010/main" w="9525">
+                  <a14:hiddenLine xmlns:a14="http://schemas.microsoft.com/office/drawing/2010/main" xmlns="" w="9525">
                     <a:solidFill>
                       <a:srgbClr val="000000"/>
                     </a:solidFill>
@@ -9494,7 +9497,7 @@
               </a:ln>
               <a:extLst>
                 <a:ext uri="{91240B29-F687-4f45-9708-019B960494DF}">
-                  <a14:hiddenLine xmlns="" xmlns:a14="http://schemas.microsoft.com/office/drawing/2010/main" w="9525">
+                  <a14:hiddenLine xmlns:a14="http://schemas.microsoft.com/office/drawing/2010/main" xmlns="" w="9525">
                     <a:solidFill>
                       <a:srgbClr val="000000"/>
                     </a:solidFill>
@@ -9556,7 +9559,7 @@
               </a:ln>
               <a:extLst>
                 <a:ext uri="{91240B29-F687-4f45-9708-019B960494DF}">
-                  <a14:hiddenLine xmlns="" xmlns:a14="http://schemas.microsoft.com/office/drawing/2010/main" w="9525">
+                  <a14:hiddenLine xmlns:a14="http://schemas.microsoft.com/office/drawing/2010/main" xmlns="" w="9525">
                     <a:solidFill>
                       <a:srgbClr val="000000"/>
                     </a:solidFill>
@@ -9618,7 +9621,7 @@
               </a:ln>
               <a:extLst>
                 <a:ext uri="{91240B29-F687-4f45-9708-019B960494DF}">
-                  <a14:hiddenLine xmlns="" xmlns:a14="http://schemas.microsoft.com/office/drawing/2010/main" w="9525">
+                  <a14:hiddenLine xmlns:a14="http://schemas.microsoft.com/office/drawing/2010/main" xmlns="" w="9525">
                     <a:solidFill>
                       <a:srgbClr val="000000"/>
                     </a:solidFill>
@@ -9708,7 +9711,7 @@
               </a:ln>
               <a:extLst>
                 <a:ext uri="{91240B29-F687-4f45-9708-019B960494DF}">
-                  <a14:hiddenLine xmlns="" xmlns:a14="http://schemas.microsoft.com/office/drawing/2010/main" w="9525">
+                  <a14:hiddenLine xmlns:a14="http://schemas.microsoft.com/office/drawing/2010/main" xmlns="" w="9525">
                     <a:solidFill>
                       <a:srgbClr val="000000"/>
                     </a:solidFill>
@@ -9798,7 +9801,7 @@
               </a:ln>
               <a:extLst>
                 <a:ext uri="{91240B29-F687-4f45-9708-019B960494DF}">
-                  <a14:hiddenLine xmlns="" xmlns:a14="http://schemas.microsoft.com/office/drawing/2010/main" w="9525">
+                  <a14:hiddenLine xmlns:a14="http://schemas.microsoft.com/office/drawing/2010/main" xmlns="" w="9525">
                     <a:solidFill>
                       <a:srgbClr val="000000"/>
                     </a:solidFill>
@@ -9860,7 +9863,7 @@
               </a:ln>
               <a:extLst>
                 <a:ext uri="{91240B29-F687-4f45-9708-019B960494DF}">
-                  <a14:hiddenLine xmlns="" xmlns:a14="http://schemas.microsoft.com/office/drawing/2010/main" w="9525">
+                  <a14:hiddenLine xmlns:a14="http://schemas.microsoft.com/office/drawing/2010/main" xmlns="" w="9525">
                     <a:solidFill>
                       <a:srgbClr val="000000"/>
                     </a:solidFill>
@@ -9970,7 +9973,7 @@
               </a:ln>
               <a:extLst>
                 <a:ext uri="{91240B29-F687-4f45-9708-019B960494DF}">
-                  <a14:hiddenLine xmlns="" xmlns:a14="http://schemas.microsoft.com/office/drawing/2010/main" w="9525">
+                  <a14:hiddenLine xmlns:a14="http://schemas.microsoft.com/office/drawing/2010/main" xmlns="" w="9525">
                     <a:solidFill>
                       <a:srgbClr val="000000"/>
                     </a:solidFill>
@@ -10054,7 +10057,7 @@
               </a:ln>
               <a:extLst>
                 <a:ext uri="{91240B29-F687-4f45-9708-019B960494DF}">
-                  <a14:hiddenLine xmlns="" xmlns:a14="http://schemas.microsoft.com/office/drawing/2010/main" w="9525">
+                  <a14:hiddenLine xmlns:a14="http://schemas.microsoft.com/office/drawing/2010/main" xmlns="" w="9525">
                     <a:solidFill>
                       <a:srgbClr val="000000"/>
                     </a:solidFill>
@@ -10116,7 +10119,7 @@
               </a:ln>
               <a:extLst>
                 <a:ext uri="{91240B29-F687-4f45-9708-019B960494DF}">
-                  <a14:hiddenLine xmlns="" xmlns:a14="http://schemas.microsoft.com/office/drawing/2010/main" w="9525">
+                  <a14:hiddenLine xmlns:a14="http://schemas.microsoft.com/office/drawing/2010/main" xmlns="" w="9525">
                     <a:solidFill>
                       <a:srgbClr val="000000"/>
                     </a:solidFill>
@@ -10178,7 +10181,7 @@
               </a:ln>
               <a:extLst>
                 <a:ext uri="{91240B29-F687-4f45-9708-019B960494DF}">
-                  <a14:hiddenLine xmlns="" xmlns:a14="http://schemas.microsoft.com/office/drawing/2010/main" w="9525">
+                  <a14:hiddenLine xmlns:a14="http://schemas.microsoft.com/office/drawing/2010/main" xmlns="" w="9525">
                     <a:solidFill>
                       <a:srgbClr val="000000"/>
                     </a:solidFill>
@@ -10268,7 +10271,7 @@
               </a:ln>
               <a:extLst>
                 <a:ext uri="{91240B29-F687-4f45-9708-019B960494DF}">
-                  <a14:hiddenLine xmlns="" xmlns:a14="http://schemas.microsoft.com/office/drawing/2010/main" w="9525">
+                  <a14:hiddenLine xmlns:a14="http://schemas.microsoft.com/office/drawing/2010/main" xmlns="" w="9525">
                     <a:solidFill>
                       <a:srgbClr val="000000"/>
                     </a:solidFill>
@@ -10302,7 +10305,7 @@
               </a:ln>
               <a:extLst>
                 <a:ext uri="{91240B29-F687-4f45-9708-019B960494DF}">
-                  <a14:hiddenLine xmlns="" xmlns:a14="http://schemas.microsoft.com/office/drawing/2010/main" w="9525">
+                  <a14:hiddenLine xmlns:a14="http://schemas.microsoft.com/office/drawing/2010/main" xmlns="" w="9525">
                     <a:solidFill>
                       <a:srgbClr val="000000"/>
                     </a:solidFill>
@@ -10367,7 +10370,7 @@
               </a:ln>
               <a:extLst>
                 <a:ext uri="{91240B29-F687-4f45-9708-019B960494DF}">
-                  <a14:hiddenLine xmlns="" xmlns:a14="http://schemas.microsoft.com/office/drawing/2010/main" w="9525">
+                  <a14:hiddenLine xmlns:a14="http://schemas.microsoft.com/office/drawing/2010/main" xmlns="" w="9525">
                     <a:solidFill>
                       <a:srgbClr val="000000"/>
                     </a:solidFill>
@@ -10457,7 +10460,7 @@
               </a:ln>
               <a:extLst>
                 <a:ext uri="{91240B29-F687-4f45-9708-019B960494DF}">
-                  <a14:hiddenLine xmlns="" xmlns:a14="http://schemas.microsoft.com/office/drawing/2010/main" w="9525">
+                  <a14:hiddenLine xmlns:a14="http://schemas.microsoft.com/office/drawing/2010/main" xmlns="" w="9525">
                     <a:solidFill>
                       <a:srgbClr val="000000"/>
                     </a:solidFill>
@@ -10519,7 +10522,7 @@
               </a:ln>
               <a:extLst>
                 <a:ext uri="{91240B29-F687-4f45-9708-019B960494DF}">
-                  <a14:hiddenLine xmlns="" xmlns:a14="http://schemas.microsoft.com/office/drawing/2010/main" w="9525">
+                  <a14:hiddenLine xmlns:a14="http://schemas.microsoft.com/office/drawing/2010/main" xmlns="" w="9525">
                     <a:solidFill>
                       <a:srgbClr val="000000"/>
                     </a:solidFill>
@@ -10609,7 +10612,7 @@
               </a:ln>
               <a:extLst>
                 <a:ext uri="{91240B29-F687-4f45-9708-019B960494DF}">
-                  <a14:hiddenLine xmlns="" xmlns:a14="http://schemas.microsoft.com/office/drawing/2010/main" w="9525">
+                  <a14:hiddenLine xmlns:a14="http://schemas.microsoft.com/office/drawing/2010/main" xmlns="" w="9525">
                     <a:solidFill>
                       <a:srgbClr val="000000"/>
                     </a:solidFill>
@@ -10674,7 +10677,7 @@
               </a:ln>
               <a:extLst>
                 <a:ext uri="{91240B29-F687-4f45-9708-019B960494DF}">
-                  <a14:hiddenLine xmlns="" xmlns:a14="http://schemas.microsoft.com/office/drawing/2010/main" w="9525">
+                  <a14:hiddenLine xmlns:a14="http://schemas.microsoft.com/office/drawing/2010/main" xmlns="" w="9525">
                     <a:solidFill>
                       <a:srgbClr val="000000"/>
                     </a:solidFill>
@@ -10736,7 +10739,7 @@
               </a:ln>
               <a:extLst>
                 <a:ext uri="{91240B29-F687-4f45-9708-019B960494DF}">
-                  <a14:hiddenLine xmlns="" xmlns:a14="http://schemas.microsoft.com/office/drawing/2010/main" w="9525">
+                  <a14:hiddenLine xmlns:a14="http://schemas.microsoft.com/office/drawing/2010/main" xmlns="" w="9525">
                     <a:solidFill>
                       <a:srgbClr val="000000"/>
                     </a:solidFill>
@@ -10826,7 +10829,7 @@
               </a:ln>
               <a:extLst>
                 <a:ext uri="{91240B29-F687-4f45-9708-019B960494DF}">
-                  <a14:hiddenLine xmlns="" xmlns:a14="http://schemas.microsoft.com/office/drawing/2010/main" w="9525">
+                  <a14:hiddenLine xmlns:a14="http://schemas.microsoft.com/office/drawing/2010/main" xmlns="" w="9525">
                     <a:solidFill>
                       <a:srgbClr val="000000"/>
                     </a:solidFill>
@@ -10916,7 +10919,7 @@
               </a:ln>
               <a:extLst>
                 <a:ext uri="{91240B29-F687-4f45-9708-019B960494DF}">
-                  <a14:hiddenLine xmlns="" xmlns:a14="http://schemas.microsoft.com/office/drawing/2010/main" w="9525">
+                  <a14:hiddenLine xmlns:a14="http://schemas.microsoft.com/office/drawing/2010/main" xmlns="" w="9525">
                     <a:solidFill>
                       <a:srgbClr val="000000"/>
                     </a:solidFill>
@@ -10981,7 +10984,7 @@
               </a:ln>
               <a:extLst>
                 <a:ext uri="{91240B29-F687-4f45-9708-019B960494DF}">
-                  <a14:hiddenLine xmlns="" xmlns:a14="http://schemas.microsoft.com/office/drawing/2010/main" w="9525">
+                  <a14:hiddenLine xmlns:a14="http://schemas.microsoft.com/office/drawing/2010/main" xmlns="" w="9525">
                     <a:solidFill>
                       <a:srgbClr val="000000"/>
                     </a:solidFill>
@@ -11101,7 +11104,7 @@
               </a:ln>
               <a:extLst>
                 <a:ext uri="{91240B29-F687-4f45-9708-019B960494DF}">
-                  <a14:hiddenLine xmlns="" xmlns:a14="http://schemas.microsoft.com/office/drawing/2010/main" w="9525">
+                  <a14:hiddenLine xmlns:a14="http://schemas.microsoft.com/office/drawing/2010/main" xmlns="" w="9525">
                     <a:solidFill>
                       <a:srgbClr val="000000"/>
                     </a:solidFill>
@@ -11182,7 +11185,7 @@
               </a:ln>
               <a:extLst>
                 <a:ext uri="{91240B29-F687-4f45-9708-019B960494DF}">
-                  <a14:hiddenLine xmlns="" xmlns:a14="http://schemas.microsoft.com/office/drawing/2010/main" w="9525">
+                  <a14:hiddenLine xmlns:a14="http://schemas.microsoft.com/office/drawing/2010/main" xmlns="" w="9525">
                     <a:solidFill>
                       <a:srgbClr val="000000"/>
                     </a:solidFill>
@@ -11297,7 +11300,7 @@
               </a:ln>
               <a:extLst>
                 <a:ext uri="{91240B29-F687-4f45-9708-019B960494DF}">
-                  <a14:hiddenLine xmlns="" xmlns:a14="http://schemas.microsoft.com/office/drawing/2010/main" w="9525">
+                  <a14:hiddenLine xmlns:a14="http://schemas.microsoft.com/office/drawing/2010/main" xmlns="" w="9525">
                     <a:solidFill>
                       <a:srgbClr val="000000"/>
                     </a:solidFill>
@@ -11387,7 +11390,7 @@
               </a:ln>
               <a:extLst>
                 <a:ext uri="{91240B29-F687-4f45-9708-019B960494DF}">
-                  <a14:hiddenLine xmlns="" xmlns:a14="http://schemas.microsoft.com/office/drawing/2010/main" w="9525">
+                  <a14:hiddenLine xmlns:a14="http://schemas.microsoft.com/office/drawing/2010/main" xmlns="" w="9525">
                     <a:solidFill>
                       <a:srgbClr val="000000"/>
                     </a:solidFill>
@@ -11452,7 +11455,7 @@
               </a:ln>
               <a:extLst>
                 <a:ext uri="{91240B29-F687-4f45-9708-019B960494DF}">
-                  <a14:hiddenLine xmlns="" xmlns:a14="http://schemas.microsoft.com/office/drawing/2010/main" w="9525">
+                  <a14:hiddenLine xmlns:a14="http://schemas.microsoft.com/office/drawing/2010/main" xmlns="" w="9525">
                     <a:solidFill>
                       <a:srgbClr val="000000"/>
                     </a:solidFill>
@@ -11542,7 +11545,7 @@
               </a:ln>
               <a:extLst>
                 <a:ext uri="{91240B29-F687-4f45-9708-019B960494DF}">
-                  <a14:hiddenLine xmlns="" xmlns:a14="http://schemas.microsoft.com/office/drawing/2010/main" w="9525">
+                  <a14:hiddenLine xmlns:a14="http://schemas.microsoft.com/office/drawing/2010/main" xmlns="" w="9525">
                     <a:solidFill>
                       <a:srgbClr val="000000"/>
                     </a:solidFill>
@@ -11610,7 +11613,7 @@
               </a:ln>
               <a:extLst>
                 <a:ext uri="{91240B29-F687-4f45-9708-019B960494DF}">
-                  <a14:hiddenLine xmlns="" xmlns:a14="http://schemas.microsoft.com/office/drawing/2010/main" w="9525">
+                  <a14:hiddenLine xmlns:a14="http://schemas.microsoft.com/office/drawing/2010/main" xmlns="" w="9525">
                     <a:solidFill>
                       <a:srgbClr val="000000"/>
                     </a:solidFill>
@@ -11700,7 +11703,7 @@
               </a:ln>
               <a:extLst>
                 <a:ext uri="{91240B29-F687-4f45-9708-019B960494DF}">
-                  <a14:hiddenLine xmlns="" xmlns:a14="http://schemas.microsoft.com/office/drawing/2010/main" w="9525">
+                  <a14:hiddenLine xmlns:a14="http://schemas.microsoft.com/office/drawing/2010/main" xmlns="" w="9525">
                     <a:solidFill>
                       <a:srgbClr val="000000"/>
                     </a:solidFill>
@@ -11768,7 +11771,7 @@
               </a:ln>
               <a:extLst>
                 <a:ext uri="{91240B29-F687-4f45-9708-019B960494DF}">
-                  <a14:hiddenLine xmlns="" xmlns:a14="http://schemas.microsoft.com/office/drawing/2010/main" w="9525">
+                  <a14:hiddenLine xmlns:a14="http://schemas.microsoft.com/office/drawing/2010/main" xmlns="" w="9525">
                     <a:solidFill>
                       <a:srgbClr val="000000"/>
                     </a:solidFill>
@@ -11858,7 +11861,7 @@
               </a:ln>
               <a:extLst>
                 <a:ext uri="{91240B29-F687-4f45-9708-019B960494DF}">
-                  <a14:hiddenLine xmlns="" xmlns:a14="http://schemas.microsoft.com/office/drawing/2010/main" w="9525">
+                  <a14:hiddenLine xmlns:a14="http://schemas.microsoft.com/office/drawing/2010/main" xmlns="" w="9525">
                     <a:solidFill>
                       <a:srgbClr val="000000"/>
                     </a:solidFill>
@@ -11892,7 +11895,7 @@
               </a:ln>
               <a:extLst>
                 <a:ext uri="{91240B29-F687-4f45-9708-019B960494DF}">
-                  <a14:hiddenLine xmlns="" xmlns:a14="http://schemas.microsoft.com/office/drawing/2010/main" w="9525">
+                  <a14:hiddenLine xmlns:a14="http://schemas.microsoft.com/office/drawing/2010/main" xmlns="" w="9525">
                     <a:solidFill>
                       <a:srgbClr val="000000"/>
                     </a:solidFill>
@@ -12551,6 +12554,123 @@
           <p:cNvPr id="2" name="Tytuł 1">
             <a:extLst>
               <a:ext uri="{FF2B5EF4-FFF2-40B4-BE49-F238E27FC236}">
+                <a16:creationId xmlns:a16="http://schemas.microsoft.com/office/drawing/2014/main" id="{E0932538-7AAD-D427-0B4E-B8B38CAF5412}"/>
+              </a:ext>
+            </a:extLst>
+          </p:cNvPr>
+          <p:cNvSpPr>
+            <a:spLocks noGrp="1"/>
+          </p:cNvSpPr>
+          <p:nvPr>
+            <p:ph type="title"/>
+          </p:nvPr>
+        </p:nvSpPr>
+        <p:spPr/>
+        <p:txBody>
+          <a:bodyPr/>
+          <a:lstStyle/>
+          <a:p>
+            <a:r>
+              <a:rPr lang="pl-PL" dirty="0"/>
+              <a:t>Budowa Drzewa Poszukiwań</a:t>
+            </a:r>
+          </a:p>
+        </p:txBody>
+      </p:sp>
+      <p:sp>
+        <p:nvSpPr>
+          <p:cNvPr id="3" name="Symbol zastępczy zawartości 2">
+            <a:extLst>
+              <a:ext uri="{FF2B5EF4-FFF2-40B4-BE49-F238E27FC236}">
+                <a16:creationId xmlns:a16="http://schemas.microsoft.com/office/drawing/2014/main" id="{E76C3BFE-8341-5AC8-D4C0-8C3C29613923}"/>
+              </a:ext>
+            </a:extLst>
+          </p:cNvPr>
+          <p:cNvSpPr>
+            <a:spLocks noGrp="1"/>
+          </p:cNvSpPr>
+          <p:nvPr>
+            <p:ph idx="1"/>
+          </p:nvPr>
+        </p:nvSpPr>
+        <p:spPr>
+          <a:xfrm>
+            <a:off x="1141413" y="2097088"/>
+            <a:ext cx="9905999" cy="3541714"/>
+          </a:xfrm>
+        </p:spPr>
+        <p:txBody>
+          <a:bodyPr/>
+          <a:lstStyle/>
+          <a:p>
+            <a:pPr marL="0" indent="0">
+              <a:buNone/>
+            </a:pPr>
+            <a:r>
+              <a:rPr lang="pl-PL" dirty="0"/>
+              <a:t>Wygenerowane łańcuchy są organizowane w hierarchiczną strukturę danych – drzewo </a:t>
+            </a:r>
+            <a:r>
+              <a:rPr lang="pl-PL" dirty="0" err="1"/>
+              <a:t>SearchTreeNode</a:t>
+            </a:r>
+            <a:r>
+              <a:rPr lang="pl-PL" dirty="0"/>
+              <a:t>. Aby zapewnić logarytmiczny czas wyszukiwania, drzewo jest zbalansowane. </a:t>
+            </a:r>
+          </a:p>
+          <a:p>
+            <a:pPr marL="0" indent="0">
+              <a:buNone/>
+            </a:pPr>
+            <a:r>
+              <a:rPr lang="pl-PL" dirty="0"/>
+              <a:t>Jako korzeń drzewa wybierany jest separator środkowy (mediana zbioru). Łańcuchy leżące geometrycznie na lewo od mediany tworzą lewe poddrzewo, a te na prawo – prawe poddrzewo.</a:t>
+            </a:r>
+          </a:p>
+          <a:p>
+            <a:pPr marL="0" indent="0">
+              <a:buNone/>
+            </a:pPr>
+            <a:endParaRPr lang="pl-PL" dirty="0"/>
+          </a:p>
+        </p:txBody>
+      </p:sp>
+    </p:spTree>
+    <p:extLst>
+      <p:ext uri="{BB962C8B-B14F-4D97-AF65-F5344CB8AC3E}">
+        <p14:creationId xmlns:p14="http://schemas.microsoft.com/office/powerpoint/2010/main" val="336747266"/>
+      </p:ext>
+    </p:extLst>
+  </p:cSld>
+  <p:clrMapOvr>
+    <a:masterClrMapping/>
+  </p:clrMapOvr>
+</p:sld>
+</file>
+
+<file path=ppt/slides/slide11.xml><?xml version="1.0" encoding="utf-8"?>
+<p:sld xmlns:a="http://schemas.openxmlformats.org/drawingml/2006/main" xmlns:r="http://schemas.openxmlformats.org/officeDocument/2006/relationships" xmlns:p="http://schemas.openxmlformats.org/presentationml/2006/main">
+  <p:cSld>
+    <p:spTree>
+      <p:nvGrpSpPr>
+        <p:cNvPr id="1" name=""/>
+        <p:cNvGrpSpPr/>
+        <p:nvPr/>
+      </p:nvGrpSpPr>
+      <p:grpSpPr>
+        <a:xfrm>
+          <a:off x="0" y="0"/>
+          <a:ext cx="0" cy="0"/>
+          <a:chOff x="0" y="0"/>
+          <a:chExt cx="0" cy="0"/>
+        </a:xfrm>
+      </p:grpSpPr>
+      <p:sp>
+        <p:nvSpPr>
+          <p:cNvPr id="2" name="Tytuł 1">
+            <a:extLst>
+              <a:ext uri="{FF2B5EF4-FFF2-40B4-BE49-F238E27FC236}">
                 <a16:creationId xmlns:a16="http://schemas.microsoft.com/office/drawing/2014/main" id="{2D226454-3A22-D77A-0FB9-3DBD356A7EB3}"/>
               </a:ext>
             </a:extLst>
@@ -12655,7 +12775,7 @@
 </p:sld>
 </file>
 
-<file path=ppt/slides/slide11.xml><?xml version="1.0" encoding="utf-8"?>
+<file path=ppt/slides/slide12.xml><?xml version="1.0" encoding="utf-8"?>
 <p:sld xmlns:a="http://schemas.openxmlformats.org/drawingml/2006/main" xmlns:r="http://schemas.openxmlformats.org/officeDocument/2006/relationships" xmlns:p="http://schemas.openxmlformats.org/presentationml/2006/main">
   <p:cSld>
     <p:spTree>
@@ -12718,8 +12838,8 @@
         </p:nvSpPr>
         <p:spPr bwMode="auto">
           <a:xfrm flipH="1">
-            <a:off x="1141413" y="2767927"/>
-            <a:ext cx="8970800" cy="1892826"/>
+            <a:off x="1141413" y="2213930"/>
+            <a:ext cx="8970800" cy="3000821"/>
           </a:xfrm>
           <a:prstGeom prst="rect">
             <a:avLst/>
@@ -12767,7 +12887,7 @@
           </a:bodyPr>
           <a:lstStyle/>
           <a:p>
-            <a:pPr marL="0" marR="0" lvl="0" indent="0" algn="l" defTabSz="914400" rtl="0" eaLnBrk="0" fontAlgn="base" latinLnBrk="0" hangingPunct="0">
+            <a:pPr marL="0" lvl="0" indent="0" eaLnBrk="0" fontAlgn="base" hangingPunct="0">
               <a:lnSpc>
                 <a:spcPct val="100000"/>
               </a:lnSpc>
@@ -12777,11 +12897,8 @@
               <a:spcAft>
                 <a:spcPct val="0"/>
               </a:spcAft>
-              <a:buClrTx/>
               <a:buSzTx/>
-              <a:buFontTx/>
-              <a:buNone/>
-              <a:tabLst/>
+              <a:buNone/>
             </a:pPr>
             <a:r>
               <a:rPr kumimoji="0" lang="pl-PL" altLang="pl-PL" b="0" i="0" u="none" strike="noStrike" cap="none" normalizeH="0" baseline="0" dirty="0">
@@ -12793,8 +12910,29 @@
                 </a:solidFill>
                 <a:effectLst/>
               </a:rPr>
-              <a:t>Lokalizacja punktu p polega na zejściu w dół drzewa BST, począwszy od korzenia. W każdym węźle (reprezentującym separator) podejmowana jest decyzja binarna: czy punkt znajduje się na lewo, czy na prawo od tego łańcucha? Decyzja ta determinuje wybór kolejnego dziecka (lewego lub prawego) i zawęża obszar poszukiwań o połowę.</a:t>
-            </a:r>
+              <a:t>Lokalizacja punktu p polega na zejściu w dół drzewa BST, począwszy od korzenia. W każdym węźle (reprezentującym separator) podejmowana jest decyzja binarna: czy punkt znajduje się na lewo, czy na prawo od tego łańcucha? Decyzja ta determinuje wybór kolejnego dziecka (lewego lub prawego) i zawęża obszar poszukiwań o połowę. Po wyznaczeniu dwóch separatorów po między którymi znajduje się punkt, binarnie wyznacza się region go zawierający. </a:t>
+            </a:r>
+            <a:r>
+              <a:rPr lang="pl-PL" altLang="pl-PL" dirty="0"/>
+              <a:t>Złożoność czasowa zapytania wynosi O(</a:t>
+            </a:r>
+            <a:r>
+              <a:rPr lang="pl-PL" dirty="0"/>
+              <a:t>log² N + log N</a:t>
+            </a:r>
+            <a:r>
+              <a:rPr lang="pl-PL" altLang="pl-PL" dirty="0"/>
+              <a:t>)</a:t>
+            </a:r>
+            <a:endParaRPr kumimoji="0" lang="pl-PL" altLang="pl-PL" b="0" i="0" u="none" strike="noStrike" cap="none" normalizeH="0" baseline="0" dirty="0">
+              <a:ln>
+                <a:noFill/>
+              </a:ln>
+              <a:solidFill>
+                <a:schemeClr val="tx1"/>
+              </a:solidFill>
+              <a:effectLst/>
+            </a:endParaRPr>
           </a:p>
         </p:txBody>
       </p:sp>
@@ -12811,7 +12949,7 @@
 </p:sld>
 </file>
 
-<file path=ppt/slides/slide12.xml><?xml version="1.0" encoding="utf-8"?>
+<file path=ppt/slides/slide13.xml><?xml version="1.0" encoding="utf-8"?>
 <p:sld xmlns:a="http://schemas.openxmlformats.org/drawingml/2006/main" xmlns:r="http://schemas.openxmlformats.org/officeDocument/2006/relationships" xmlns:p="http://schemas.openxmlformats.org/presentationml/2006/main">
   <p:cSld>
     <p:spTree>
@@ -12942,7 +13080,7 @@
 </p:sld>
 </file>
 
-<file path=ppt/slides/slide13.xml><?xml version="1.0" encoding="utf-8"?>
+<file path=ppt/slides/slide14.xml><?xml version="1.0" encoding="utf-8"?>
 <p:sld xmlns:a="http://schemas.openxmlformats.org/drawingml/2006/main" xmlns:r="http://schemas.openxmlformats.org/officeDocument/2006/relationships" xmlns:p="http://schemas.openxmlformats.org/presentationml/2006/main">
   <p:cSld>
     <p:spTree>
@@ -13005,8 +13143,8 @@
         </p:nvSpPr>
         <p:spPr bwMode="auto">
           <a:xfrm>
-            <a:off x="1141413" y="2064952"/>
-            <a:ext cx="6607420" cy="3000821"/>
+            <a:off x="1141413" y="2434283"/>
+            <a:ext cx="5777861" cy="2262158"/>
           </a:xfrm>
           <a:prstGeom prst="rect">
             <a:avLst/>
@@ -13081,7 +13219,26 @@
                 <a:effectLst/>
                 <a:cs typeface="Arial" panose="020B0604020202020204" pitchFamily="34" charset="0"/>
               </a:rPr>
-              <a:t>W finalnym kroku algorytm dysponuje dwoma separatorami: najbliższym z lewej oraz najbliższym z prawej. Ponieważ regiony nie są przechowywane w pamięci jako gotowe obiekty, program musi je dynamicznie odtworzyć. Realizowane jest to poprzez równoczesne przejście po wierzchołkach obu łańcuchów. Algorytm identyfikuje punkty wspólne, w których separatory się stykają. </a:t>
+              <a:t>W finalnym kroku algorytm dysponuje dwoma separatorami: najbliższym z lewej oraz najbliższym z prawej. </a:t>
+            </a:r>
+            <a:r>
+              <a:rPr lang="pl-PL" altLang="pl-PL" dirty="0">
+                <a:cs typeface="Arial" panose="020B0604020202020204" pitchFamily="34" charset="0"/>
+              </a:rPr>
+              <a:t>Algorytm korzysta ze słownika regionów i za pomocą wyszukiwania binarnego określa obszar w którym zawiera się punkt</a:t>
+            </a:r>
+            <a:r>
+              <a:rPr kumimoji="0" lang="pl-PL" altLang="pl-PL" b="0" i="0" u="none" strike="noStrike" cap="none" normalizeH="0" baseline="0" dirty="0">
+                <a:ln>
+                  <a:noFill/>
+                </a:ln>
+                <a:solidFill>
+                  <a:schemeClr val="tx1"/>
+                </a:solidFill>
+                <a:effectLst/>
+                <a:cs typeface="Arial" panose="020B0604020202020204" pitchFamily="34" charset="0"/>
+              </a:rPr>
+              <a:t>. </a:t>
             </a:r>
           </a:p>
         </p:txBody>
@@ -13120,144 +13277,6 @@
     <p:extLst>
       <p:ext uri="{BB962C8B-B14F-4D97-AF65-F5344CB8AC3E}">
         <p14:creationId xmlns:p14="http://schemas.microsoft.com/office/powerpoint/2010/main" val="3714972828"/>
-      </p:ext>
-    </p:extLst>
-  </p:cSld>
-  <p:clrMapOvr>
-    <a:masterClrMapping/>
-  </p:clrMapOvr>
-</p:sld>
-</file>
-
-<file path=ppt/slides/slide14.xml><?xml version="1.0" encoding="utf-8"?>
-<p:sld xmlns:a="http://schemas.openxmlformats.org/drawingml/2006/main" xmlns:r="http://schemas.openxmlformats.org/officeDocument/2006/relationships" xmlns:p="http://schemas.openxmlformats.org/presentationml/2006/main">
-  <p:cSld>
-    <p:spTree>
-      <p:nvGrpSpPr>
-        <p:cNvPr id="1" name=""/>
-        <p:cNvGrpSpPr/>
-        <p:nvPr/>
-      </p:nvGrpSpPr>
-      <p:grpSpPr>
-        <a:xfrm>
-          <a:off x="0" y="0"/>
-          <a:ext cx="0" cy="0"/>
-          <a:chOff x="0" y="0"/>
-          <a:chExt cx="0" cy="0"/>
-        </a:xfrm>
-      </p:grpSpPr>
-      <p:sp>
-        <p:nvSpPr>
-          <p:cNvPr id="2" name="Tytuł 1">
-            <a:extLst>
-              <a:ext uri="{FF2B5EF4-FFF2-40B4-BE49-F238E27FC236}">
-                <a16:creationId xmlns:a16="http://schemas.microsoft.com/office/drawing/2014/main" id="{18284705-6B11-6730-A74A-A27A871E70D8}"/>
-              </a:ext>
-            </a:extLst>
-          </p:cNvPr>
-          <p:cNvSpPr>
-            <a:spLocks noGrp="1"/>
-          </p:cNvSpPr>
-          <p:nvPr>
-            <p:ph type="title"/>
-          </p:nvPr>
-        </p:nvSpPr>
-        <p:spPr/>
-        <p:txBody>
-          <a:bodyPr/>
-          <a:lstStyle/>
-          <a:p>
-            <a:r>
-              <a:rPr lang="pl-PL" dirty="0"/>
-              <a:t>Konstrukcja wyniku</a:t>
-            </a:r>
-            <a:br>
-              <a:rPr lang="pl-PL" dirty="0"/>
-            </a:br>
-            <a:endParaRPr lang="pl-PL" dirty="0"/>
-          </a:p>
-        </p:txBody>
-      </p:sp>
-      <p:sp>
-        <p:nvSpPr>
-          <p:cNvPr id="3" name="Symbol zastępczy zawartości 2">
-            <a:extLst>
-              <a:ext uri="{FF2B5EF4-FFF2-40B4-BE49-F238E27FC236}">
-                <a16:creationId xmlns:a16="http://schemas.microsoft.com/office/drawing/2014/main" id="{14AD547B-61AA-F4E3-15A6-A50799010C83}"/>
-              </a:ext>
-            </a:extLst>
-          </p:cNvPr>
-          <p:cNvSpPr>
-            <a:spLocks noGrp="1"/>
-          </p:cNvSpPr>
-          <p:nvPr>
-            <p:ph idx="1"/>
-          </p:nvPr>
-        </p:nvSpPr>
-        <p:spPr>
-          <a:xfrm>
-            <a:off x="1141413" y="2249487"/>
-            <a:ext cx="5570472" cy="3541714"/>
-          </a:xfrm>
-        </p:spPr>
-        <p:txBody>
-          <a:bodyPr>
-            <a:normAutofit lnSpcReduction="10000"/>
-          </a:bodyPr>
-          <a:lstStyle/>
-          <a:p>
-            <a:pPr marL="0" indent="0">
-              <a:buNone/>
-            </a:pPr>
-            <a:r>
-              <a:rPr lang="pl-PL" altLang="pl-PL" dirty="0">
-                <a:cs typeface="Arial" panose="020B0604020202020204" pitchFamily="34" charset="0"/>
-              </a:rPr>
-              <a:t>Obszar zawarty pomiędzy dwoma kolejnymi punktami styczności tworzy zamkniętą przestrzeń. Spośród wszystkich wykrytych między separatorami przestrzeni, wybierana jest ta, która w pionie (oś Y) obejmuje współrzędną punktu zapytania. Krawędzie tworzące ten konkretny bąbelek są zwracane jako szukany region.</a:t>
-            </a:r>
-            <a:endParaRPr lang="pl-PL" dirty="0">
-              <a:cs typeface="Arial" panose="020B0604020202020204" pitchFamily="34" charset="0"/>
-            </a:endParaRPr>
-          </a:p>
-          <a:p>
-            <a:endParaRPr lang="pl-PL" dirty="0"/>
-          </a:p>
-        </p:txBody>
-      </p:sp>
-      <p:pic>
-        <p:nvPicPr>
-          <p:cNvPr id="5" name="Obraz 4" descr="Obraz zawierający linia, diagram, design&#10;&#10;Zawartość wygenerowana przez AI może być niepoprawna.">
-            <a:extLst>
-              <a:ext uri="{FF2B5EF4-FFF2-40B4-BE49-F238E27FC236}">
-                <a16:creationId xmlns:a16="http://schemas.microsoft.com/office/drawing/2014/main" id="{077B84E7-56D7-C4DE-84BB-098E7CC3BFAC}"/>
-              </a:ext>
-            </a:extLst>
-          </p:cNvPr>
-          <p:cNvPicPr>
-            <a:picLocks noChangeAspect="1"/>
-          </p:cNvPicPr>
-          <p:nvPr/>
-        </p:nvPicPr>
-        <p:blipFill>
-          <a:blip r:embed="rId2"/>
-          <a:stretch>
-            <a:fillRect/>
-          </a:stretch>
-        </p:blipFill>
-        <p:spPr>
-          <a:xfrm>
-            <a:off x="7376141" y="2249487"/>
-            <a:ext cx="4228255" cy="3176503"/>
-          </a:xfrm>
-          <a:prstGeom prst="rect">
-            <a:avLst/>
-          </a:prstGeom>
-        </p:spPr>
-      </p:pic>
-    </p:spTree>
-    <p:extLst>
-      <p:ext uri="{BB962C8B-B14F-4D97-AF65-F5344CB8AC3E}">
-        <p14:creationId xmlns:p14="http://schemas.microsoft.com/office/powerpoint/2010/main" val="2855163226"/>
       </p:ext>
     </p:extLst>
   </p:cSld>
@@ -13915,10 +13934,9 @@
           <a:lstStyle/>
           <a:p>
             <a:r>
-              <a:rPr lang="pl-PL" b="1" dirty="0"/>
+              <a:rPr lang="pl-PL" dirty="0"/>
               <a:t>Definicja Problemu</a:t>
             </a:r>
-            <a:endParaRPr lang="pl-PL" dirty="0"/>
           </a:p>
         </p:txBody>
       </p:sp>
@@ -14027,11 +14045,106 @@
             <p:ph idx="1"/>
           </p:nvPr>
         </p:nvSpPr>
-        <p:spPr/>
+        <p:spPr>
+          <a:xfrm>
+            <a:off x="1141412" y="2249487"/>
+            <a:ext cx="10651520" cy="3541714"/>
+          </a:xfrm>
+        </p:spPr>
         <p:txBody>
-          <a:bodyPr/>
+          <a:bodyPr>
+            <a:normAutofit lnSpcReduction="10000"/>
+          </a:bodyPr>
           <a:lstStyle/>
           <a:p>
+            <a:pPr marL="0" indent="0">
+              <a:buNone/>
+            </a:pPr>
+            <a:endParaRPr lang="pl-PL" dirty="0"/>
+          </a:p>
+          <a:p>
+            <a:r>
+              <a:rPr lang="pl-PL" dirty="0"/>
+              <a:t>R. </a:t>
+            </a:r>
+            <a:r>
+              <a:rPr lang="pl-PL" dirty="0" err="1"/>
+              <a:t>Tamassia</a:t>
+            </a:r>
+            <a:r>
+              <a:rPr lang="pl-PL" dirty="0"/>
+              <a:t>, Brown University, (1993) </a:t>
+            </a:r>
+            <a:r>
+              <a:rPr lang="pl-PL" dirty="0">
+                <a:hlinkClick r:id="rId2"/>
+              </a:rPr>
+              <a:t>https://cs.brown.edu/courses/cs252/misc/resources/lectures/pdf/notes05.pdf</a:t>
+            </a:r>
+            <a:endParaRPr lang="pl-PL" dirty="0"/>
+          </a:p>
+          <a:p>
+            <a:r>
+              <a:rPr lang="pl-PL" dirty="0"/>
+              <a:t>D. T. Lee, F. P. </a:t>
+            </a:r>
+            <a:r>
+              <a:rPr lang="pl-PL" dirty="0" err="1"/>
+              <a:t>Preparta</a:t>
+            </a:r>
+            <a:r>
+              <a:rPr lang="pl-PL" dirty="0"/>
+              <a:t>, University of Illinois (1976) </a:t>
+            </a:r>
+            <a:r>
+              <a:rPr lang="pl-PL" dirty="0">
+                <a:hlinkClick r:id="rId3"/>
+              </a:rPr>
+              <a:t>https://dl.acm.org/doi/epdf/10.1145/800113.803653</a:t>
+            </a:r>
+            <a:endParaRPr lang="pl-PL" dirty="0"/>
+          </a:p>
+          <a:p>
+            <a:r>
+              <a:rPr lang="pl-PL" dirty="0"/>
+              <a:t>H. </a:t>
+            </a:r>
+            <a:r>
+              <a:rPr lang="pl-PL" dirty="0" err="1"/>
+              <a:t>Edelsbrunner</a:t>
+            </a:r>
+            <a:r>
+              <a:rPr lang="pl-PL" dirty="0"/>
+              <a:t>, L. J. </a:t>
+            </a:r>
+            <a:r>
+              <a:rPr lang="pl-PL" dirty="0" err="1"/>
+              <a:t>Guibas</a:t>
+            </a:r>
+            <a:r>
+              <a:rPr lang="pl-PL" dirty="0"/>
+              <a:t>, J. </a:t>
+            </a:r>
+            <a:r>
+              <a:rPr lang="pl-PL" dirty="0" err="1"/>
+              <a:t>Stolfi</a:t>
+            </a:r>
+            <a:r>
+              <a:rPr lang="pl-PL" dirty="0"/>
+              <a:t>, (1986) </a:t>
+            </a:r>
+            <a:r>
+              <a:rPr lang="pl-PL" dirty="0">
+                <a:hlinkClick r:id="rId4"/>
+              </a:rPr>
+              <a:t>https://graphics.stanford.edu/courses/cs268-11-spring/notes/opt_point_loc.pdf</a:t>
+            </a:r>
+            <a:endParaRPr lang="pl-PL" dirty="0"/>
+          </a:p>
+          <a:p>
+            <a:pPr marL="0" indent="0">
+              <a:buNone/>
+            </a:pPr>
             <a:endParaRPr lang="pl-PL" dirty="0"/>
           </a:p>
         </p:txBody>
@@ -14224,7 +14337,7 @@
             </a:r>
             <a:r>
               <a:rPr lang="pl-PL" dirty="0"/>
-              <a:t>. W projekcie zastosowano algorytm triangulacji (metoda </a:t>
+              <a:t>. W projekcie zastosowano algorytm triangulacji </a:t>
             </a:r>
             <a:r>
               <a:rPr lang="pl-PL" dirty="0" err="1"/>
@@ -14232,23 +14345,7 @@
             </a:r>
             <a:r>
               <a:rPr lang="pl-PL" dirty="0"/>
-              <a:t> </a:t>
-            </a:r>
-            <a:r>
-              <a:rPr lang="pl-PL" dirty="0" err="1"/>
-              <a:t>Clipping</a:t>
-            </a:r>
-            <a:r>
-              <a:rPr lang="pl-PL" dirty="0"/>
-              <a:t>), który w fazie </a:t>
-            </a:r>
-            <a:r>
-              <a:rPr lang="pl-PL" dirty="0" err="1"/>
-              <a:t>preprocessingu</a:t>
-            </a:r>
-            <a:r>
-              <a:rPr lang="pl-PL" dirty="0"/>
-              <a:t> dzieli dowolne wielokąty na trójkąty. Trójkąty są z definicji monotoniczne, co gwarantuje poprawność dalszych kroków algorytmu.</a:t>
+              <a:t> Clip, który w fazie przygotowywania danych dzieli dowolne wielokąty na trójkąty. Trójkąty są z definicji monotoniczne, co gwarantuje poprawność dalszych kroków algorytmu.</a:t>
             </a:r>
           </a:p>
         </p:txBody>
@@ -14530,11 +14627,13 @@
         <p:spPr>
           <a:xfrm>
             <a:off x="1141412" y="2249487"/>
-            <a:ext cx="9774827" cy="3541714"/>
+            <a:ext cx="6701689" cy="3541714"/>
           </a:xfrm>
         </p:spPr>
         <p:txBody>
-          <a:bodyPr/>
+          <a:bodyPr>
+            <a:normAutofit fontScale="92500" lnSpcReduction="10000"/>
+          </a:bodyPr>
           <a:lstStyle/>
           <a:p>
             <a:pPr marL="0" indent="0">
@@ -14550,11 +14649,41 @@
             </a:r>
             <a:r>
               <a:rPr lang="pl-PL" dirty="0"/>
-              <a:t>, przechowującą listy sąsiedztwa każdego punktu. Kluczowym zabiegiem jest posortowanie wierzchołków na płaszczyźnie względem współrzędnej Y oraz skierowanie wszystkich krawędzi "w górę". Krawędzie wychodzące z każdego wierzchołka są dodatkowo sortowane kątowo (od lewej do prawej), co pozwala na jednoznaczną identyfikację skrajnych ścieżek.</a:t>
+              <a:t>, przechowującą listy sąsiedztwa każdego punktu. Kluczowym zabiegiem jest posortowanie wierzchołków na płaszczyźnie względem współrzędnej Y oraz skierowanie wszystkich krawędzi w górę. Krawędzie wychodzące z każdego wierzchołka są dodatkowo sortowane kątowo od lewej do prawej, co pozwala na jednoznaczną identyfikację skrajnych ścieżek.</a:t>
             </a:r>
           </a:p>
         </p:txBody>
       </p:sp>
+      <p:pic>
+        <p:nvPicPr>
+          <p:cNvPr id="7" name="Obraz 6" descr="Obraz zawierający statyw, linia&#10;&#10;Zawartość wygenerowana przez AI może być niepoprawna.">
+            <a:extLst>
+              <a:ext uri="{FF2B5EF4-FFF2-40B4-BE49-F238E27FC236}">
+                <a16:creationId xmlns:a16="http://schemas.microsoft.com/office/drawing/2014/main" id="{413A4613-930F-E022-AD7C-E7FB175C6380}"/>
+              </a:ext>
+            </a:extLst>
+          </p:cNvPr>
+          <p:cNvPicPr>
+            <a:picLocks noChangeAspect="1"/>
+          </p:cNvPicPr>
+          <p:nvPr/>
+        </p:nvPicPr>
+        <p:blipFill>
+          <a:blip r:embed="rId2"/>
+          <a:stretch>
+            <a:fillRect/>
+          </a:stretch>
+        </p:blipFill>
+        <p:spPr>
+          <a:xfrm>
+            <a:off x="8199912" y="2097088"/>
+            <a:ext cx="3277057" cy="3496163"/>
+          </a:xfrm>
+          <a:prstGeom prst="rect">
+            <a:avLst/>
+          </a:prstGeom>
+        </p:spPr>
+      </p:pic>
     </p:spTree>
     <p:extLst>
       <p:ext uri="{BB962C8B-B14F-4D97-AF65-F5344CB8AC3E}">
@@ -14765,7 +14894,7 @@
             </a:pPr>
             <a:r>
               <a:rPr lang="pl-PL" dirty="0"/>
-              <a:t>Aby podzielić graf na separatory, należy ustalić "przepustowość" krawędzi. Implementacja wykorzystuje funkcję </a:t>
+              <a:t>Aby podzielić graf na separatory, należy ustalić przepustowość krawędzi. Implementacja wykorzystuje funkcję </a:t>
             </a:r>
             <a:r>
               <a:rPr lang="pl-PL" dirty="0" err="1"/>
@@ -15220,7 +15349,7 @@
           <p:cNvPr id="2" name="Tytuł 1">
             <a:extLst>
               <a:ext uri="{FF2B5EF4-FFF2-40B4-BE49-F238E27FC236}">
-                <a16:creationId xmlns:a16="http://schemas.microsoft.com/office/drawing/2014/main" id="{E0932538-7AAD-D427-0B4E-B8B38CAF5412}"/>
+                <a16:creationId xmlns:a16="http://schemas.microsoft.com/office/drawing/2014/main" id="{DCB81E3A-53F3-F950-66EC-B2683836234C}"/>
               </a:ext>
             </a:extLst>
           </p:cNvPr>
@@ -15238,69 +15367,221 @@
           <a:p>
             <a:r>
               <a:rPr lang="pl-PL" dirty="0"/>
-              <a:t>Budowa Drzewa Poszukiwań</a:t>
+              <a:t>Konstrukcja Regionów</a:t>
             </a:r>
           </a:p>
         </p:txBody>
       </p:sp>
+      <p:pic>
+        <p:nvPicPr>
+          <p:cNvPr id="5" name="Obraz 4">
+            <a:extLst>
+              <a:ext uri="{FF2B5EF4-FFF2-40B4-BE49-F238E27FC236}">
+                <a16:creationId xmlns:a16="http://schemas.microsoft.com/office/drawing/2014/main" id="{45A2F21B-B6B1-ABE5-3C5C-3ECFDF3C8875}"/>
+              </a:ext>
+            </a:extLst>
+          </p:cNvPr>
+          <p:cNvPicPr>
+            <a:picLocks noChangeAspect="1"/>
+          </p:cNvPicPr>
+          <p:nvPr/>
+        </p:nvPicPr>
+        <p:blipFill>
+          <a:blip r:embed="rId2"/>
+          <a:stretch>
+            <a:fillRect/>
+          </a:stretch>
+        </p:blipFill>
+        <p:spPr>
+          <a:xfrm>
+            <a:off x="8061141" y="618518"/>
+            <a:ext cx="3829584" cy="2905530"/>
+          </a:xfrm>
+          <a:prstGeom prst="rect">
+            <a:avLst/>
+          </a:prstGeom>
+        </p:spPr>
+      </p:pic>
+      <p:pic>
+        <p:nvPicPr>
+          <p:cNvPr id="6" name="Obraz 5" descr="Obraz zawierający linia, diagram, design&#10;&#10;Zawartość wygenerowana przez AI może być niepoprawna.">
+            <a:extLst>
+              <a:ext uri="{FF2B5EF4-FFF2-40B4-BE49-F238E27FC236}">
+                <a16:creationId xmlns:a16="http://schemas.microsoft.com/office/drawing/2014/main" id="{F4333F64-0350-E653-3D06-104D3C1C165A}"/>
+              </a:ext>
+            </a:extLst>
+          </p:cNvPr>
+          <p:cNvPicPr>
+            <a:picLocks noChangeAspect="1"/>
+          </p:cNvPicPr>
+          <p:nvPr/>
+        </p:nvPicPr>
+        <p:blipFill>
+          <a:blip r:embed="rId3"/>
+          <a:stretch>
+            <a:fillRect/>
+          </a:stretch>
+        </p:blipFill>
+        <p:spPr>
+          <a:xfrm>
+            <a:off x="8061141" y="3703157"/>
+            <a:ext cx="3850775" cy="2892919"/>
+          </a:xfrm>
+          <a:prstGeom prst="rect">
+            <a:avLst/>
+          </a:prstGeom>
+        </p:spPr>
+      </p:pic>
       <p:sp>
         <p:nvSpPr>
-          <p:cNvPr id="3" name="Symbol zastępczy zawartości 2">
+          <p:cNvPr id="9" name="Rectangle 3">
             <a:extLst>
               <a:ext uri="{FF2B5EF4-FFF2-40B4-BE49-F238E27FC236}">
-                <a16:creationId xmlns:a16="http://schemas.microsoft.com/office/drawing/2014/main" id="{E76C3BFE-8341-5AC8-D4C0-8C3C29613923}"/>
+                <a16:creationId xmlns:a16="http://schemas.microsoft.com/office/drawing/2014/main" id="{39F005DC-1397-31F8-72B6-45DD3303E4D2}"/>
               </a:ext>
             </a:extLst>
           </p:cNvPr>
           <p:cNvSpPr>
-            <a:spLocks noGrp="1"/>
+            <a:spLocks noGrp="1" noChangeArrowheads="1"/>
           </p:cNvSpPr>
           <p:nvPr>
             <p:ph idx="1"/>
           </p:nvPr>
         </p:nvSpPr>
-        <p:spPr/>
+        <p:spPr bwMode="auto">
+          <a:xfrm>
+            <a:off x="1141413" y="1748595"/>
+            <a:ext cx="6476216" cy="4847481"/>
+          </a:xfrm>
+          <a:prstGeom prst="rect">
+            <a:avLst/>
+          </a:prstGeom>
+          <a:noFill/>
+          <a:ln>
+            <a:noFill/>
+          </a:ln>
+          <a:effectLst/>
+          <a:extLst>
+            <a:ext uri="{909E8E84-426E-40DD-AFC4-6F175D3DCCD1}">
+              <a14:hiddenFill xmlns:a14="http://schemas.microsoft.com/office/drawing/2010/main">
+                <a:solidFill>
+                  <a:schemeClr val="accent1"/>
+                </a:solidFill>
+              </a14:hiddenFill>
+            </a:ext>
+            <a:ext uri="{91240B29-F687-4F45-9708-019B960494DF}">
+              <a14:hiddenLine xmlns:a14="http://schemas.microsoft.com/office/drawing/2010/main" w="9525">
+                <a:solidFill>
+                  <a:schemeClr val="tx1"/>
+                </a:solidFill>
+                <a:miter lim="800000"/>
+                <a:headEnd/>
+                <a:tailEnd/>
+              </a14:hiddenLine>
+            </a:ext>
+            <a:ext uri="{AF507438-7753-43E0-B8FC-AC1667EBCBE1}">
+              <a14:hiddenEffects xmlns:a14="http://schemas.microsoft.com/office/drawing/2010/main">
+                <a:effectLst>
+                  <a:outerShdw dist="35921" dir="2700000" algn="ctr" rotWithShape="0">
+                    <a:schemeClr val="bg2"/>
+                  </a:outerShdw>
+                </a:effectLst>
+              </a14:hiddenEffects>
+            </a:ext>
+          </a:extLst>
+        </p:spPr>
         <p:txBody>
-          <a:bodyPr/>
+          <a:bodyPr vert="horz" wrap="square" lIns="91440" tIns="0" rIns="91440" bIns="45720" numCol="1" anchor="ctr" anchorCtr="0" compatLnSpc="1">
+            <a:prstTxWarp prst="textNoShape">
+              <a:avLst/>
+            </a:prstTxWarp>
+            <a:spAutoFit/>
+          </a:bodyPr>
           <a:lstStyle/>
           <a:p>
-            <a:pPr marL="0" indent="0">
-              <a:buNone/>
+            <a:pPr marL="0" marR="0" lvl="0" indent="0" algn="l" defTabSz="914400" rtl="0" eaLnBrk="0" fontAlgn="base" latinLnBrk="0" hangingPunct="0">
+              <a:lnSpc>
+                <a:spcPct val="100000"/>
+              </a:lnSpc>
+              <a:spcBef>
+                <a:spcPct val="0"/>
+              </a:spcBef>
+              <a:spcAft>
+                <a:spcPct val="0"/>
+              </a:spcAft>
+              <a:buClrTx/>
+              <a:buSzTx/>
+              <a:buFontTx/>
+              <a:buNone/>
+              <a:tabLst/>
             </a:pPr>
             <a:r>
-              <a:rPr lang="pl-PL" dirty="0"/>
-              <a:t>Wygenerowane łańcuchy są organizowane w hierarchiczną strukturę danych – drzewo </a:t>
-            </a:r>
-            <a:r>
-              <a:rPr lang="pl-PL" dirty="0" err="1"/>
-              <a:t>SearchTreeNode</a:t>
-            </a:r>
-            <a:r>
-              <a:rPr lang="pl-PL" dirty="0"/>
-              <a:t>. Aby zapewnić logarytmiczny czas wyszukiwania, drzewo jest zbalansowane. </a:t>
-            </a:r>
-          </a:p>
-          <a:p>
-            <a:pPr marL="0" indent="0">
-              <a:buNone/>
-            </a:pPr>
-            <a:r>
-              <a:rPr lang="pl-PL" dirty="0"/>
-              <a:t>Jako korzeń drzewa wybierany jest separator środkowy (mediana zbioru). Łańcuchy leżące geometrycznie na lewo od mediany tworzą lewe poddrzewo, a te na prawo – prawe poddrzewo. Liście drzewa wskazują pośrednio na szukane regiony Rᵢ zawarte między dwoma sąsiednimi separatorami.</a:t>
-            </a:r>
-          </a:p>
-          <a:p>
-            <a:pPr marL="0" indent="0">
-              <a:buNone/>
-            </a:pPr>
-            <a:endParaRPr lang="pl-PL" dirty="0"/>
+              <a:rPr kumimoji="0" lang="pl-PL" altLang="pl-PL" b="0" i="0" u="none" strike="noStrike" cap="none" normalizeH="0" baseline="0" dirty="0">
+                <a:ln>
+                  <a:noFill/>
+                </a:ln>
+                <a:solidFill>
+                  <a:schemeClr val="tx1"/>
+                </a:solidFill>
+                <a:effectLst/>
+              </a:rPr>
+              <a:t>Kolejnym elementem implementacji jest funkcja </a:t>
+            </a:r>
+            <a:r>
+              <a:rPr kumimoji="0" lang="pl-PL" altLang="pl-PL" b="0" i="0" u="none" strike="noStrike" cap="none" normalizeH="0" baseline="0" dirty="0" err="1">
+                <a:ln>
+                  <a:noFill/>
+                </a:ln>
+                <a:solidFill>
+                  <a:schemeClr val="tx1"/>
+                </a:solidFill>
+                <a:effectLst/>
+              </a:rPr>
+              <a:t>precompute_regions</a:t>
+            </a:r>
+            <a:r>
+              <a:rPr kumimoji="0" lang="pl-PL" altLang="pl-PL" b="0" i="0" u="none" strike="noStrike" cap="none" normalizeH="0" baseline="0" dirty="0">
+                <a:ln>
+                  <a:noFill/>
+                </a:ln>
+                <a:solidFill>
+                  <a:schemeClr val="tx1"/>
+                </a:solidFill>
+                <a:effectLst/>
+              </a:rPr>
+              <a:t>, uruchamiana jednorazowo w fazie przygotowywania danych, tuż po wygenerowaniu łańcuchów monotonicznych. Algorytm ten iteruje po wszystkich parach sąsiednich separatorów, identyfikując miejsca ich rozwidlania i ponownego łączenia, co pozwala na precyzyjne wyodrębnienie zamkniętych obszarów geometrycznych. Zidentyfikowane obszary trafiają do struktury słownikowej </a:t>
+            </a:r>
+            <a:r>
+              <a:rPr kumimoji="0" lang="pl-PL" altLang="pl-PL" b="0" i="0" u="none" strike="noStrike" cap="none" normalizeH="0" baseline="0" dirty="0" err="1">
+                <a:ln>
+                  <a:noFill/>
+                </a:ln>
+                <a:solidFill>
+                  <a:schemeClr val="tx1"/>
+                </a:solidFill>
+                <a:effectLst/>
+              </a:rPr>
+              <a:t>region_map</a:t>
+            </a:r>
+            <a:r>
+              <a:rPr kumimoji="0" lang="pl-PL" altLang="pl-PL" b="0" i="0" u="none" strike="noStrike" cap="none" normalizeH="0" baseline="0" dirty="0">
+                <a:ln>
+                  <a:noFill/>
+                </a:ln>
+                <a:solidFill>
+                  <a:schemeClr val="tx1"/>
+                </a:solidFill>
+                <a:effectLst/>
+              </a:rPr>
+              <a:t>, gdzie dla każdej pary separatorów przechowywana jest lista wielokątów, posortowana rosnąco według współrzędnej Y.</a:t>
+            </a:r>
           </a:p>
         </p:txBody>
       </p:sp>
     </p:spTree>
     <p:extLst>
       <p:ext uri="{BB962C8B-B14F-4D97-AF65-F5344CB8AC3E}">
-        <p14:creationId xmlns:p14="http://schemas.microsoft.com/office/powerpoint/2010/main" val="336747266"/>
+        <p14:creationId xmlns:p14="http://schemas.microsoft.com/office/powerpoint/2010/main" val="3689644874"/>
       </p:ext>
     </p:extLst>
   </p:cSld>

--- a/prezentacja_lodoba_werminski.pptx
+++ b/prezentacja_lodoba_werminski.pptx
@@ -189,7 +189,7 @@
           <a:noFill/>
           <a:extLst>
             <a:ext uri="{909E8E84-426E-40dd-AFC4-6F175D3DCCD1}">
-              <a14:hiddenFill xmlns:a14="http://schemas.microsoft.com/office/drawing/2010/main" xmlns="">
+              <a14:hiddenFill xmlns="" xmlns:a14="http://schemas.microsoft.com/office/drawing/2010/main">
                 <a:solidFill>
                   <a:srgbClr val="FFFFFF"/>
                 </a:solidFill>
@@ -248,7 +248,7 @@
             </a:ln>
             <a:extLst>
               <a:ext uri="{91240B29-F687-4f45-9708-019B960494DF}">
-                <a14:hiddenLine xmlns:a14="http://schemas.microsoft.com/office/drawing/2010/main" xmlns="" w="9525">
+                <a14:hiddenLine xmlns="" xmlns:a14="http://schemas.microsoft.com/office/drawing/2010/main" w="9525">
                   <a:solidFill>
                     <a:srgbClr val="000000"/>
                   </a:solidFill>
@@ -338,7 +338,7 @@
             </a:ln>
             <a:extLst>
               <a:ext uri="{91240B29-F687-4f45-9708-019B960494DF}">
-                <a14:hiddenLine xmlns:a14="http://schemas.microsoft.com/office/drawing/2010/main" xmlns="" w="9525">
+                <a14:hiddenLine xmlns="" xmlns:a14="http://schemas.microsoft.com/office/drawing/2010/main" w="9525">
                   <a:solidFill>
                     <a:srgbClr val="000000"/>
                   </a:solidFill>
@@ -428,7 +428,7 @@
             </a:ln>
             <a:extLst>
               <a:ext uri="{91240B29-F687-4f45-9708-019B960494DF}">
-                <a14:hiddenLine xmlns:a14="http://schemas.microsoft.com/office/drawing/2010/main" xmlns="" w="9525">
+                <a14:hiddenLine xmlns="" xmlns:a14="http://schemas.microsoft.com/office/drawing/2010/main" w="9525">
                   <a:solidFill>
                     <a:srgbClr val="000000"/>
                   </a:solidFill>
@@ -462,7 +462,7 @@
             </a:ln>
             <a:extLst>
               <a:ext uri="{91240B29-F687-4f45-9708-019B960494DF}">
-                <a14:hiddenLine xmlns:a14="http://schemas.microsoft.com/office/drawing/2010/main" xmlns="" w="9525">
+                <a14:hiddenLine xmlns="" xmlns:a14="http://schemas.microsoft.com/office/drawing/2010/main" w="9525">
                   <a:solidFill>
                     <a:srgbClr val="000000"/>
                   </a:solidFill>
@@ -552,7 +552,7 @@
             </a:ln>
             <a:extLst>
               <a:ext uri="{91240B29-F687-4f45-9708-019B960494DF}">
-                <a14:hiddenLine xmlns:a14="http://schemas.microsoft.com/office/drawing/2010/main" xmlns="" w="9525">
+                <a14:hiddenLine xmlns="" xmlns:a14="http://schemas.microsoft.com/office/drawing/2010/main" w="9525">
                   <a:solidFill>
                     <a:srgbClr val="000000"/>
                   </a:solidFill>
@@ -614,7 +614,7 @@
             </a:ln>
             <a:extLst>
               <a:ext uri="{91240B29-F687-4f45-9708-019B960494DF}">
-                <a14:hiddenLine xmlns:a14="http://schemas.microsoft.com/office/drawing/2010/main" xmlns="" w="9525">
+                <a14:hiddenLine xmlns="" xmlns:a14="http://schemas.microsoft.com/office/drawing/2010/main" w="9525">
                   <a:solidFill>
                     <a:srgbClr val="000000"/>
                   </a:solidFill>
@@ -676,7 +676,7 @@
             </a:ln>
             <a:extLst>
               <a:ext uri="{91240B29-F687-4f45-9708-019B960494DF}">
-                <a14:hiddenLine xmlns:a14="http://schemas.microsoft.com/office/drawing/2010/main" xmlns="" w="9525">
+                <a14:hiddenLine xmlns="" xmlns:a14="http://schemas.microsoft.com/office/drawing/2010/main" w="9525">
                   <a:solidFill>
                     <a:srgbClr val="000000"/>
                   </a:solidFill>
@@ -766,7 +766,7 @@
             </a:ln>
             <a:extLst>
               <a:ext uri="{91240B29-F687-4f45-9708-019B960494DF}">
-                <a14:hiddenLine xmlns:a14="http://schemas.microsoft.com/office/drawing/2010/main" xmlns="" w="9525">
+                <a14:hiddenLine xmlns="" xmlns:a14="http://schemas.microsoft.com/office/drawing/2010/main" w="9525">
                   <a:solidFill>
                     <a:srgbClr val="000000"/>
                   </a:solidFill>
@@ -828,7 +828,7 @@
             </a:ln>
             <a:extLst>
               <a:ext uri="{91240B29-F687-4f45-9708-019B960494DF}">
-                <a14:hiddenLine xmlns:a14="http://schemas.microsoft.com/office/drawing/2010/main" xmlns="" w="9525">
+                <a14:hiddenLine xmlns="" xmlns:a14="http://schemas.microsoft.com/office/drawing/2010/main" w="9525">
                   <a:solidFill>
                     <a:srgbClr val="000000"/>
                   </a:solidFill>
@@ -890,7 +890,7 @@
             </a:ln>
             <a:extLst>
               <a:ext uri="{91240B29-F687-4f45-9708-019B960494DF}">
-                <a14:hiddenLine xmlns:a14="http://schemas.microsoft.com/office/drawing/2010/main" xmlns="" w="9525">
+                <a14:hiddenLine xmlns="" xmlns:a14="http://schemas.microsoft.com/office/drawing/2010/main" w="9525">
                   <a:solidFill>
                     <a:srgbClr val="000000"/>
                   </a:solidFill>
@@ -980,7 +980,7 @@
             </a:ln>
             <a:extLst>
               <a:ext uri="{91240B29-F687-4f45-9708-019B960494DF}">
-                <a14:hiddenLine xmlns:a14="http://schemas.microsoft.com/office/drawing/2010/main" xmlns="" w="9525">
+                <a14:hiddenLine xmlns="" xmlns:a14="http://schemas.microsoft.com/office/drawing/2010/main" w="9525">
                   <a:solidFill>
                     <a:srgbClr val="000000"/>
                   </a:solidFill>
@@ -1070,7 +1070,7 @@
             </a:ln>
             <a:extLst>
               <a:ext uri="{91240B29-F687-4f45-9708-019B960494DF}">
-                <a14:hiddenLine xmlns:a14="http://schemas.microsoft.com/office/drawing/2010/main" xmlns="" w="9525">
+                <a14:hiddenLine xmlns="" xmlns:a14="http://schemas.microsoft.com/office/drawing/2010/main" w="9525">
                   <a:solidFill>
                     <a:srgbClr val="000000"/>
                   </a:solidFill>
@@ -1132,7 +1132,7 @@
             </a:ln>
             <a:extLst>
               <a:ext uri="{91240B29-F687-4f45-9708-019B960494DF}">
-                <a14:hiddenLine xmlns:a14="http://schemas.microsoft.com/office/drawing/2010/main" xmlns="" w="9525">
+                <a14:hiddenLine xmlns="" xmlns:a14="http://schemas.microsoft.com/office/drawing/2010/main" w="9525">
                   <a:solidFill>
                     <a:srgbClr val="000000"/>
                   </a:solidFill>
@@ -1242,7 +1242,7 @@
             </a:ln>
             <a:extLst>
               <a:ext uri="{91240B29-F687-4f45-9708-019B960494DF}">
-                <a14:hiddenLine xmlns:a14="http://schemas.microsoft.com/office/drawing/2010/main" xmlns="" w="9525">
+                <a14:hiddenLine xmlns="" xmlns:a14="http://schemas.microsoft.com/office/drawing/2010/main" w="9525">
                   <a:solidFill>
                     <a:srgbClr val="000000"/>
                   </a:solidFill>
@@ -1304,7 +1304,7 @@
             </a:ln>
             <a:extLst>
               <a:ext uri="{91240B29-F687-4f45-9708-019B960494DF}">
-                <a14:hiddenLine xmlns:a14="http://schemas.microsoft.com/office/drawing/2010/main" xmlns="" w="9525">
+                <a14:hiddenLine xmlns="" xmlns:a14="http://schemas.microsoft.com/office/drawing/2010/main" w="9525">
                   <a:solidFill>
                     <a:srgbClr val="000000"/>
                   </a:solidFill>
@@ -1394,7 +1394,7 @@
             </a:ln>
             <a:extLst>
               <a:ext uri="{91240B29-F687-4f45-9708-019B960494DF}">
-                <a14:hiddenLine xmlns:a14="http://schemas.microsoft.com/office/drawing/2010/main" xmlns="" w="9525">
+                <a14:hiddenLine xmlns="" xmlns:a14="http://schemas.microsoft.com/office/drawing/2010/main" w="9525">
                   <a:solidFill>
                     <a:srgbClr val="000000"/>
                   </a:solidFill>
@@ -1484,7 +1484,7 @@
             </a:ln>
             <a:extLst>
               <a:ext uri="{91240B29-F687-4f45-9708-019B960494DF}">
-                <a14:hiddenLine xmlns:a14="http://schemas.microsoft.com/office/drawing/2010/main" xmlns="" w="9525">
+                <a14:hiddenLine xmlns="" xmlns:a14="http://schemas.microsoft.com/office/drawing/2010/main" w="9525">
                   <a:solidFill>
                     <a:srgbClr val="000000"/>
                   </a:solidFill>
@@ -1546,7 +1546,7 @@
             </a:ln>
             <a:extLst>
               <a:ext uri="{91240B29-F687-4f45-9708-019B960494DF}">
-                <a14:hiddenLine xmlns:a14="http://schemas.microsoft.com/office/drawing/2010/main" xmlns="" w="9525">
+                <a14:hiddenLine xmlns="" xmlns:a14="http://schemas.microsoft.com/office/drawing/2010/main" w="9525">
                   <a:solidFill>
                     <a:srgbClr val="000000"/>
                   </a:solidFill>
@@ -1636,7 +1636,7 @@
             </a:ln>
             <a:extLst>
               <a:ext uri="{91240B29-F687-4f45-9708-019B960494DF}">
-                <a14:hiddenLine xmlns:a14="http://schemas.microsoft.com/office/drawing/2010/main" xmlns="" w="9525">
+                <a14:hiddenLine xmlns="" xmlns:a14="http://schemas.microsoft.com/office/drawing/2010/main" w="9525">
                   <a:solidFill>
                     <a:srgbClr val="000000"/>
                   </a:solidFill>
@@ -1726,7 +1726,7 @@
             </a:ln>
             <a:extLst>
               <a:ext uri="{91240B29-F687-4f45-9708-019B960494DF}">
-                <a14:hiddenLine xmlns:a14="http://schemas.microsoft.com/office/drawing/2010/main" xmlns="" w="9525">
+                <a14:hiddenLine xmlns="" xmlns:a14="http://schemas.microsoft.com/office/drawing/2010/main" w="9525">
                   <a:solidFill>
                     <a:srgbClr val="000000"/>
                   </a:solidFill>
@@ -1782,7 +1782,7 @@
             </a:ln>
             <a:extLst>
               <a:ext uri="{91240B29-F687-4f45-9708-019B960494DF}">
-                <a14:hiddenLine xmlns:a14="http://schemas.microsoft.com/office/drawing/2010/main" xmlns="" w="9525">
+                <a14:hiddenLine xmlns="" xmlns:a14="http://schemas.microsoft.com/office/drawing/2010/main" w="9525">
                   <a:solidFill>
                     <a:srgbClr val="000000"/>
                   </a:solidFill>
@@ -1872,7 +1872,7 @@
             </a:ln>
             <a:extLst>
               <a:ext uri="{91240B29-F687-4f45-9708-019B960494DF}">
-                <a14:hiddenLine xmlns:a14="http://schemas.microsoft.com/office/drawing/2010/main" xmlns="" w="9525">
+                <a14:hiddenLine xmlns="" xmlns:a14="http://schemas.microsoft.com/office/drawing/2010/main" w="9525">
                   <a:solidFill>
                     <a:srgbClr val="000000"/>
                   </a:solidFill>
@@ -1928,7 +1928,7 @@
             </a:ln>
             <a:extLst>
               <a:ext uri="{91240B29-F687-4f45-9708-019B960494DF}">
-                <a14:hiddenLine xmlns:a14="http://schemas.microsoft.com/office/drawing/2010/main" xmlns="" w="9525">
+                <a14:hiddenLine xmlns="" xmlns:a14="http://schemas.microsoft.com/office/drawing/2010/main" w="9525">
                   <a:solidFill>
                     <a:srgbClr val="000000"/>
                   </a:solidFill>
@@ -2018,7 +2018,7 @@
             </a:ln>
             <a:extLst>
               <a:ext uri="{91240B29-F687-4f45-9708-019B960494DF}">
-                <a14:hiddenLine xmlns:a14="http://schemas.microsoft.com/office/drawing/2010/main" xmlns="" w="9525">
+                <a14:hiddenLine xmlns="" xmlns:a14="http://schemas.microsoft.com/office/drawing/2010/main" w="9525">
                   <a:solidFill>
                     <a:srgbClr val="000000"/>
                   </a:solidFill>
@@ -2086,7 +2086,7 @@
             </a:ln>
             <a:extLst>
               <a:ext uri="{91240B29-F687-4f45-9708-019B960494DF}">
-                <a14:hiddenLine xmlns:a14="http://schemas.microsoft.com/office/drawing/2010/main" xmlns="" w="9525">
+                <a14:hiddenLine xmlns="" xmlns:a14="http://schemas.microsoft.com/office/drawing/2010/main" w="9525">
                   <a:solidFill>
                     <a:srgbClr val="000000"/>
                   </a:solidFill>
@@ -2176,7 +2176,7 @@
             </a:ln>
             <a:extLst>
               <a:ext uri="{91240B29-F687-4f45-9708-019B960494DF}">
-                <a14:hiddenLine xmlns:a14="http://schemas.microsoft.com/office/drawing/2010/main" xmlns="" w="9525">
+                <a14:hiddenLine xmlns="" xmlns:a14="http://schemas.microsoft.com/office/drawing/2010/main" w="9525">
                   <a:solidFill>
                     <a:srgbClr val="000000"/>
                   </a:solidFill>
@@ -2244,7 +2244,7 @@
             </a:ln>
             <a:extLst>
               <a:ext uri="{91240B29-F687-4f45-9708-019B960494DF}">
-                <a14:hiddenLine xmlns:a14="http://schemas.microsoft.com/office/drawing/2010/main" xmlns="" w="9525">
+                <a14:hiddenLine xmlns="" xmlns:a14="http://schemas.microsoft.com/office/drawing/2010/main" w="9525">
                   <a:solidFill>
                     <a:srgbClr val="000000"/>
                   </a:solidFill>
@@ -2334,7 +2334,7 @@
             </a:ln>
             <a:extLst>
               <a:ext uri="{91240B29-F687-4f45-9708-019B960494DF}">
-                <a14:hiddenLine xmlns:a14="http://schemas.microsoft.com/office/drawing/2010/main" xmlns="" w="9525">
+                <a14:hiddenLine xmlns="" xmlns:a14="http://schemas.microsoft.com/office/drawing/2010/main" w="9525">
                   <a:solidFill>
                     <a:srgbClr val="000000"/>
                   </a:solidFill>
@@ -2368,7 +2368,7 @@
             </a:ln>
             <a:extLst>
               <a:ext uri="{91240B29-F687-4f45-9708-019B960494DF}">
-                <a14:hiddenLine xmlns:a14="http://schemas.microsoft.com/office/drawing/2010/main" xmlns="" w="9525">
+                <a14:hiddenLine xmlns="" xmlns:a14="http://schemas.microsoft.com/office/drawing/2010/main" w="9525">
                   <a:solidFill>
                     <a:srgbClr val="000000"/>
                   </a:solidFill>
@@ -2458,7 +2458,7 @@
             </a:ln>
             <a:extLst>
               <a:ext uri="{91240B29-F687-4f45-9708-019B960494DF}">
-                <a14:hiddenLine xmlns:a14="http://schemas.microsoft.com/office/drawing/2010/main" xmlns="" w="9525">
+                <a14:hiddenLine xmlns="" xmlns:a14="http://schemas.microsoft.com/office/drawing/2010/main" w="9525">
                   <a:solidFill>
                     <a:srgbClr val="000000"/>
                   </a:solidFill>
@@ -2520,7 +2520,7 @@
             </a:ln>
             <a:extLst>
               <a:ext uri="{91240B29-F687-4f45-9708-019B960494DF}">
-                <a14:hiddenLine xmlns:a14="http://schemas.microsoft.com/office/drawing/2010/main" xmlns="" w="9525">
+                <a14:hiddenLine xmlns="" xmlns:a14="http://schemas.microsoft.com/office/drawing/2010/main" w="9525">
                   <a:solidFill>
                     <a:srgbClr val="000000"/>
                   </a:solidFill>
@@ -2582,7 +2582,7 @@
             </a:ln>
             <a:extLst>
               <a:ext uri="{91240B29-F687-4f45-9708-019B960494DF}">
-                <a14:hiddenLine xmlns:a14="http://schemas.microsoft.com/office/drawing/2010/main" xmlns="" w="9525">
+                <a14:hiddenLine xmlns="" xmlns:a14="http://schemas.microsoft.com/office/drawing/2010/main" w="9525">
                   <a:solidFill>
                     <a:srgbClr val="000000"/>
                   </a:solidFill>
@@ -2672,7 +2672,7 @@
             </a:ln>
             <a:extLst>
               <a:ext uri="{91240B29-F687-4f45-9708-019B960494DF}">
-                <a14:hiddenLine xmlns:a14="http://schemas.microsoft.com/office/drawing/2010/main" xmlns="" w="9525">
+                <a14:hiddenLine xmlns="" xmlns:a14="http://schemas.microsoft.com/office/drawing/2010/main" w="9525">
                   <a:solidFill>
                     <a:srgbClr val="000000"/>
                   </a:solidFill>
@@ -2740,7 +2740,7 @@
             </a:ln>
             <a:extLst>
               <a:ext uri="{91240B29-F687-4f45-9708-019B960494DF}">
-                <a14:hiddenLine xmlns:a14="http://schemas.microsoft.com/office/drawing/2010/main" xmlns="" w="9525">
+                <a14:hiddenLine xmlns="" xmlns:a14="http://schemas.microsoft.com/office/drawing/2010/main" w="9525">
                   <a:solidFill>
                     <a:srgbClr val="000000"/>
                   </a:solidFill>
@@ -2802,7 +2802,7 @@
             </a:ln>
             <a:extLst>
               <a:ext uri="{91240B29-F687-4f45-9708-019B960494DF}">
-                <a14:hiddenLine xmlns:a14="http://schemas.microsoft.com/office/drawing/2010/main" xmlns="" w="9525">
+                <a14:hiddenLine xmlns="" xmlns:a14="http://schemas.microsoft.com/office/drawing/2010/main" w="9525">
                   <a:solidFill>
                     <a:srgbClr val="000000"/>
                   </a:solidFill>
@@ -2892,7 +2892,7 @@
             </a:ln>
             <a:extLst>
               <a:ext uri="{91240B29-F687-4f45-9708-019B960494DF}">
-                <a14:hiddenLine xmlns:a14="http://schemas.microsoft.com/office/drawing/2010/main" xmlns="" w="9525">
+                <a14:hiddenLine xmlns="" xmlns:a14="http://schemas.microsoft.com/office/drawing/2010/main" w="9525">
                   <a:solidFill>
                     <a:srgbClr val="000000"/>
                   </a:solidFill>
@@ -2954,7 +2954,7 @@
             </a:ln>
             <a:extLst>
               <a:ext uri="{91240B29-F687-4f45-9708-019B960494DF}">
-                <a14:hiddenLine xmlns:a14="http://schemas.microsoft.com/office/drawing/2010/main" xmlns="" w="9525">
+                <a14:hiddenLine xmlns="" xmlns:a14="http://schemas.microsoft.com/office/drawing/2010/main" w="9525">
                   <a:solidFill>
                     <a:srgbClr val="000000"/>
                   </a:solidFill>
@@ -3044,7 +3044,7 @@
             </a:ln>
             <a:extLst>
               <a:ext uri="{91240B29-F687-4f45-9708-019B960494DF}">
-                <a14:hiddenLine xmlns:a14="http://schemas.microsoft.com/office/drawing/2010/main" xmlns="" w="9525">
+                <a14:hiddenLine xmlns="" xmlns:a14="http://schemas.microsoft.com/office/drawing/2010/main" w="9525">
                   <a:solidFill>
                     <a:srgbClr val="000000"/>
                   </a:solidFill>
@@ -3106,7 +3106,7 @@
             </a:ln>
             <a:extLst>
               <a:ext uri="{91240B29-F687-4f45-9708-019B960494DF}">
-                <a14:hiddenLine xmlns:a14="http://schemas.microsoft.com/office/drawing/2010/main" xmlns="" w="9525">
+                <a14:hiddenLine xmlns="" xmlns:a14="http://schemas.microsoft.com/office/drawing/2010/main" w="9525">
                   <a:solidFill>
                     <a:srgbClr val="000000"/>
                   </a:solidFill>
@@ -3196,7 +3196,7 @@
             </a:ln>
             <a:extLst>
               <a:ext uri="{91240B29-F687-4f45-9708-019B960494DF}">
-                <a14:hiddenLine xmlns:a14="http://schemas.microsoft.com/office/drawing/2010/main" xmlns="" w="9525">
+                <a14:hiddenLine xmlns="" xmlns:a14="http://schemas.microsoft.com/office/drawing/2010/main" w="9525">
                   <a:solidFill>
                     <a:srgbClr val="000000"/>
                   </a:solidFill>
@@ -3230,7 +3230,7 @@
             </a:ln>
             <a:extLst>
               <a:ext uri="{91240B29-F687-4f45-9708-019B960494DF}">
-                <a14:hiddenLine xmlns:a14="http://schemas.microsoft.com/office/drawing/2010/main" xmlns="" w="9525">
+                <a14:hiddenLine xmlns="" xmlns:a14="http://schemas.microsoft.com/office/drawing/2010/main" w="9525">
                   <a:solidFill>
                     <a:srgbClr val="000000"/>
                   </a:solidFill>
@@ -3295,7 +3295,7 @@
             </a:ln>
             <a:extLst>
               <a:ext uri="{91240B29-F687-4f45-9708-019B960494DF}">
-                <a14:hiddenLine xmlns:a14="http://schemas.microsoft.com/office/drawing/2010/main" xmlns="" w="9525">
+                <a14:hiddenLine xmlns="" xmlns:a14="http://schemas.microsoft.com/office/drawing/2010/main" w="9525">
                   <a:solidFill>
                     <a:srgbClr val="000000"/>
                   </a:solidFill>
@@ -3385,7 +3385,7 @@
             </a:ln>
             <a:extLst>
               <a:ext uri="{91240B29-F687-4f45-9708-019B960494DF}">
-                <a14:hiddenLine xmlns:a14="http://schemas.microsoft.com/office/drawing/2010/main" xmlns="" w="9525">
+                <a14:hiddenLine xmlns="" xmlns:a14="http://schemas.microsoft.com/office/drawing/2010/main" w="9525">
                   <a:solidFill>
                     <a:srgbClr val="000000"/>
                   </a:solidFill>
@@ -3447,7 +3447,7 @@
             </a:ln>
             <a:extLst>
               <a:ext uri="{91240B29-F687-4f45-9708-019B960494DF}">
-                <a14:hiddenLine xmlns:a14="http://schemas.microsoft.com/office/drawing/2010/main" xmlns="" w="9525">
+                <a14:hiddenLine xmlns="" xmlns:a14="http://schemas.microsoft.com/office/drawing/2010/main" w="9525">
                   <a:solidFill>
                     <a:srgbClr val="000000"/>
                   </a:solidFill>
@@ -3537,7 +3537,7 @@
             </a:ln>
             <a:extLst>
               <a:ext uri="{91240B29-F687-4f45-9708-019B960494DF}">
-                <a14:hiddenLine xmlns:a14="http://schemas.microsoft.com/office/drawing/2010/main" xmlns="" w="9525">
+                <a14:hiddenLine xmlns="" xmlns:a14="http://schemas.microsoft.com/office/drawing/2010/main" w="9525">
                   <a:solidFill>
                     <a:srgbClr val="000000"/>
                   </a:solidFill>
@@ -3627,7 +3627,7 @@
             </a:ln>
             <a:extLst>
               <a:ext uri="{91240B29-F687-4f45-9708-019B960494DF}">
-                <a14:hiddenLine xmlns:a14="http://schemas.microsoft.com/office/drawing/2010/main" xmlns="" w="9525">
+                <a14:hiddenLine xmlns="" xmlns:a14="http://schemas.microsoft.com/office/drawing/2010/main" w="9525">
                   <a:solidFill>
                     <a:srgbClr val="000000"/>
                   </a:solidFill>
@@ -3692,7 +3692,7 @@
             </a:ln>
             <a:extLst>
               <a:ext uri="{91240B29-F687-4f45-9708-019B960494DF}">
-                <a14:hiddenLine xmlns:a14="http://schemas.microsoft.com/office/drawing/2010/main" xmlns="" w="9525">
+                <a14:hiddenLine xmlns="" xmlns:a14="http://schemas.microsoft.com/office/drawing/2010/main" w="9525">
                   <a:solidFill>
                     <a:srgbClr val="000000"/>
                   </a:solidFill>
@@ -3754,7 +3754,7 @@
             </a:ln>
             <a:extLst>
               <a:ext uri="{91240B29-F687-4f45-9708-019B960494DF}">
-                <a14:hiddenLine xmlns:a14="http://schemas.microsoft.com/office/drawing/2010/main" xmlns="" w="9525">
+                <a14:hiddenLine xmlns="" xmlns:a14="http://schemas.microsoft.com/office/drawing/2010/main" w="9525">
                   <a:solidFill>
                     <a:srgbClr val="000000"/>
                   </a:solidFill>
@@ -3844,7 +3844,7 @@
             </a:ln>
             <a:extLst>
               <a:ext uri="{91240B29-F687-4f45-9708-019B960494DF}">
-                <a14:hiddenLine xmlns:a14="http://schemas.microsoft.com/office/drawing/2010/main" xmlns="" w="9525">
+                <a14:hiddenLine xmlns="" xmlns:a14="http://schemas.microsoft.com/office/drawing/2010/main" w="9525">
                   <a:solidFill>
                     <a:srgbClr val="000000"/>
                   </a:solidFill>
@@ -3934,7 +3934,7 @@
             </a:ln>
             <a:extLst>
               <a:ext uri="{91240B29-F687-4f45-9708-019B960494DF}">
-                <a14:hiddenLine xmlns:a14="http://schemas.microsoft.com/office/drawing/2010/main" xmlns="" w="9525">
+                <a14:hiddenLine xmlns="" xmlns:a14="http://schemas.microsoft.com/office/drawing/2010/main" w="9525">
                   <a:solidFill>
                     <a:srgbClr val="000000"/>
                   </a:solidFill>
@@ -3996,7 +3996,7 @@
             </a:ln>
             <a:extLst>
               <a:ext uri="{91240B29-F687-4f45-9708-019B960494DF}">
-                <a14:hiddenLine xmlns:a14="http://schemas.microsoft.com/office/drawing/2010/main" xmlns="" w="9525">
+                <a14:hiddenLine xmlns="" xmlns:a14="http://schemas.microsoft.com/office/drawing/2010/main" w="9525">
                   <a:solidFill>
                     <a:srgbClr val="000000"/>
                   </a:solidFill>
@@ -4116,7 +4116,7 @@
             </a:ln>
             <a:extLst>
               <a:ext uri="{91240B29-F687-4f45-9708-019B960494DF}">
-                <a14:hiddenLine xmlns:a14="http://schemas.microsoft.com/office/drawing/2010/main" xmlns="" w="9525">
+                <a14:hiddenLine xmlns="" xmlns:a14="http://schemas.microsoft.com/office/drawing/2010/main" w="9525">
                   <a:solidFill>
                     <a:srgbClr val="000000"/>
                   </a:solidFill>
@@ -4184,7 +4184,7 @@
             </a:ln>
             <a:extLst>
               <a:ext uri="{91240B29-F687-4f45-9708-019B960494DF}">
-                <a14:hiddenLine xmlns:a14="http://schemas.microsoft.com/office/drawing/2010/main" xmlns="" w="9525">
+                <a14:hiddenLine xmlns="" xmlns:a14="http://schemas.microsoft.com/office/drawing/2010/main" w="9525">
                   <a:solidFill>
                     <a:srgbClr val="000000"/>
                   </a:solidFill>
@@ -4274,7 +4274,7 @@
             </a:ln>
             <a:extLst>
               <a:ext uri="{91240B29-F687-4f45-9708-019B960494DF}">
-                <a14:hiddenLine xmlns:a14="http://schemas.microsoft.com/office/drawing/2010/main" xmlns="" w="9525">
+                <a14:hiddenLine xmlns="" xmlns:a14="http://schemas.microsoft.com/office/drawing/2010/main" w="9525">
                   <a:solidFill>
                     <a:srgbClr val="000000"/>
                   </a:solidFill>
@@ -4414,7 +4414,7 @@
           <a:p>
             <a:fld id="{6E37D865-3556-4CE5-B574-A35DADBAEBFC}" type="datetimeFigureOut">
               <a:rPr lang="pl-PL" smtClean="0"/>
-              <a:t>08.01.2026</a:t>
+              <a:t>12.01.2026</a:t>
             </a:fld>
             <a:endParaRPr lang="pl-PL"/>
           </a:p>
@@ -4681,7 +4681,7 @@
           <a:p>
             <a:fld id="{6E37D865-3556-4CE5-B574-A35DADBAEBFC}" type="datetimeFigureOut">
               <a:rPr lang="pl-PL" smtClean="0"/>
-              <a:t>08.01.2026</a:t>
+              <a:t>12.01.2026</a:t>
             </a:fld>
             <a:endParaRPr lang="pl-PL"/>
           </a:p>
@@ -4877,7 +4877,7 @@
           <a:p>
             <a:fld id="{6E37D865-3556-4CE5-B574-A35DADBAEBFC}" type="datetimeFigureOut">
               <a:rPr lang="pl-PL" smtClean="0"/>
-              <a:t>08.01.2026</a:t>
+              <a:t>12.01.2026</a:t>
             </a:fld>
             <a:endParaRPr lang="pl-PL"/>
           </a:p>
@@ -5140,7 +5140,7 @@
           <a:p>
             <a:fld id="{6E37D865-3556-4CE5-B574-A35DADBAEBFC}" type="datetimeFigureOut">
               <a:rPr lang="pl-PL" smtClean="0"/>
-              <a:t>08.01.2026</a:t>
+              <a:t>12.01.2026</a:t>
             </a:fld>
             <a:endParaRPr lang="pl-PL"/>
           </a:p>
@@ -5574,7 +5574,7 @@
           <a:p>
             <a:fld id="{6E37D865-3556-4CE5-B574-A35DADBAEBFC}" type="datetimeFigureOut">
               <a:rPr lang="pl-PL" smtClean="0"/>
-              <a:t>08.01.2026</a:t>
+              <a:t>12.01.2026</a:t>
             </a:fld>
             <a:endParaRPr lang="pl-PL"/>
           </a:p>
@@ -6120,7 +6120,7 @@
           <a:p>
             <a:fld id="{6E37D865-3556-4CE5-B574-A35DADBAEBFC}" type="datetimeFigureOut">
               <a:rPr lang="pl-PL" smtClean="0"/>
-              <a:t>08.01.2026</a:t>
+              <a:t>12.01.2026</a:t>
             </a:fld>
             <a:endParaRPr lang="pl-PL"/>
           </a:p>
@@ -6840,7 +6840,7 @@
           <a:p>
             <a:fld id="{6E37D865-3556-4CE5-B574-A35DADBAEBFC}" type="datetimeFigureOut">
               <a:rPr lang="pl-PL" smtClean="0"/>
-              <a:t>08.01.2026</a:t>
+              <a:t>12.01.2026</a:t>
             </a:fld>
             <a:endParaRPr lang="pl-PL"/>
           </a:p>
@@ -7010,7 +7010,7 @@
           <a:p>
             <a:fld id="{6E37D865-3556-4CE5-B574-A35DADBAEBFC}" type="datetimeFigureOut">
               <a:rPr lang="pl-PL" smtClean="0"/>
-              <a:t>08.01.2026</a:t>
+              <a:t>12.01.2026</a:t>
             </a:fld>
             <a:endParaRPr lang="pl-PL"/>
           </a:p>
@@ -7190,7 +7190,7 @@
           <a:p>
             <a:fld id="{6E37D865-3556-4CE5-B574-A35DADBAEBFC}" type="datetimeFigureOut">
               <a:rPr lang="pl-PL" smtClean="0"/>
-              <a:t>08.01.2026</a:t>
+              <a:t>12.01.2026</a:t>
             </a:fld>
             <a:endParaRPr lang="pl-PL"/>
           </a:p>
@@ -7360,7 +7360,7 @@
           <a:p>
             <a:fld id="{6E37D865-3556-4CE5-B574-A35DADBAEBFC}" type="datetimeFigureOut">
               <a:rPr lang="pl-PL" smtClean="0"/>
-              <a:t>08.01.2026</a:t>
+              <a:t>12.01.2026</a:t>
             </a:fld>
             <a:endParaRPr lang="pl-PL"/>
           </a:p>
@@ -7610,7 +7610,7 @@
           <a:p>
             <a:fld id="{6E37D865-3556-4CE5-B574-A35DADBAEBFC}" type="datetimeFigureOut">
               <a:rPr lang="pl-PL" smtClean="0"/>
-              <a:t>08.01.2026</a:t>
+              <a:t>12.01.2026</a:t>
             </a:fld>
             <a:endParaRPr lang="pl-PL"/>
           </a:p>
@@ -7842,7 +7842,7 @@
           <a:p>
             <a:fld id="{6E37D865-3556-4CE5-B574-A35DADBAEBFC}" type="datetimeFigureOut">
               <a:rPr lang="pl-PL" smtClean="0"/>
-              <a:t>08.01.2026</a:t>
+              <a:t>12.01.2026</a:t>
             </a:fld>
             <a:endParaRPr lang="pl-PL"/>
           </a:p>
@@ -8223,7 +8223,7 @@
           <a:p>
             <a:fld id="{6E37D865-3556-4CE5-B574-A35DADBAEBFC}" type="datetimeFigureOut">
               <a:rPr lang="pl-PL" smtClean="0"/>
-              <a:t>08.01.2026</a:t>
+              <a:t>12.01.2026</a:t>
             </a:fld>
             <a:endParaRPr lang="pl-PL"/>
           </a:p>
@@ -8341,7 +8341,7 @@
           <a:p>
             <a:fld id="{6E37D865-3556-4CE5-B574-A35DADBAEBFC}" type="datetimeFigureOut">
               <a:rPr lang="pl-PL" smtClean="0"/>
-              <a:t>08.01.2026</a:t>
+              <a:t>12.01.2026</a:t>
             </a:fld>
             <a:endParaRPr lang="pl-PL"/>
           </a:p>
@@ -8436,7 +8436,7 @@
           <a:p>
             <a:fld id="{6E37D865-3556-4CE5-B574-A35DADBAEBFC}" type="datetimeFigureOut">
               <a:rPr lang="pl-PL" smtClean="0"/>
-              <a:t>08.01.2026</a:t>
+              <a:t>12.01.2026</a:t>
             </a:fld>
             <a:endParaRPr lang="pl-PL"/>
           </a:p>
@@ -8685,7 +8685,7 @@
           <a:p>
             <a:fld id="{6E37D865-3556-4CE5-B574-A35DADBAEBFC}" type="datetimeFigureOut">
               <a:rPr lang="pl-PL" smtClean="0"/>
-              <a:t>08.01.2026</a:t>
+              <a:t>12.01.2026</a:t>
             </a:fld>
             <a:endParaRPr lang="pl-PL"/>
           </a:p>
@@ -8965,7 +8965,7 @@
           <a:p>
             <a:fld id="{6E37D865-3556-4CE5-B574-A35DADBAEBFC}" type="datetimeFigureOut">
               <a:rPr lang="pl-PL" smtClean="0"/>
-              <a:t>08.01.2026</a:t>
+              <a:t>12.01.2026</a:t>
             </a:fld>
             <a:endParaRPr lang="pl-PL"/>
           </a:p>
@@ -9091,7 +9091,7 @@
           <a:noFill/>
           <a:extLst>
             <a:ext uri="{909E8E84-426E-40dd-AFC4-6F175D3DCCD1}">
-              <a14:hiddenFill xmlns:a14="http://schemas.microsoft.com/office/drawing/2010/main" xmlns="">
+              <a14:hiddenFill xmlns="" xmlns:a14="http://schemas.microsoft.com/office/drawing/2010/main">
                 <a:solidFill>
                   <a:srgbClr val="FFFFFF"/>
                 </a:solidFill>
@@ -9165,7 +9165,7 @@
               </a:ln>
               <a:extLst>
                 <a:ext uri="{91240B29-F687-4f45-9708-019B960494DF}">
-                  <a14:hiddenLine xmlns:a14="http://schemas.microsoft.com/office/drawing/2010/main" xmlns="" w="9525">
+                  <a14:hiddenLine xmlns="" xmlns:a14="http://schemas.microsoft.com/office/drawing/2010/main" w="9525">
                     <a:solidFill>
                       <a:srgbClr val="000000"/>
                     </a:solidFill>
@@ -9255,7 +9255,7 @@
               </a:ln>
               <a:extLst>
                 <a:ext uri="{91240B29-F687-4f45-9708-019B960494DF}">
-                  <a14:hiddenLine xmlns:a14="http://schemas.microsoft.com/office/drawing/2010/main" xmlns="" w="9525">
+                  <a14:hiddenLine xmlns="" xmlns:a14="http://schemas.microsoft.com/office/drawing/2010/main" w="9525">
                     <a:solidFill>
                       <a:srgbClr val="000000"/>
                     </a:solidFill>
@@ -9345,7 +9345,7 @@
               </a:ln>
               <a:extLst>
                 <a:ext uri="{91240B29-F687-4f45-9708-019B960494DF}">
-                  <a14:hiddenLine xmlns:a14="http://schemas.microsoft.com/office/drawing/2010/main" xmlns="" w="9525">
+                  <a14:hiddenLine xmlns="" xmlns:a14="http://schemas.microsoft.com/office/drawing/2010/main" w="9525">
                     <a:solidFill>
                       <a:srgbClr val="000000"/>
                     </a:solidFill>
@@ -9407,7 +9407,7 @@
               </a:ln>
               <a:extLst>
                 <a:ext uri="{91240B29-F687-4f45-9708-019B960494DF}">
-                  <a14:hiddenLine xmlns:a14="http://schemas.microsoft.com/office/drawing/2010/main" xmlns="" w="9525">
+                  <a14:hiddenLine xmlns="" xmlns:a14="http://schemas.microsoft.com/office/drawing/2010/main" w="9525">
                     <a:solidFill>
                       <a:srgbClr val="000000"/>
                     </a:solidFill>
@@ -9497,7 +9497,7 @@
               </a:ln>
               <a:extLst>
                 <a:ext uri="{91240B29-F687-4f45-9708-019B960494DF}">
-                  <a14:hiddenLine xmlns:a14="http://schemas.microsoft.com/office/drawing/2010/main" xmlns="" w="9525">
+                  <a14:hiddenLine xmlns="" xmlns:a14="http://schemas.microsoft.com/office/drawing/2010/main" w="9525">
                     <a:solidFill>
                       <a:srgbClr val="000000"/>
                     </a:solidFill>
@@ -9559,7 +9559,7 @@
               </a:ln>
               <a:extLst>
                 <a:ext uri="{91240B29-F687-4f45-9708-019B960494DF}">
-                  <a14:hiddenLine xmlns:a14="http://schemas.microsoft.com/office/drawing/2010/main" xmlns="" w="9525">
+                  <a14:hiddenLine xmlns="" xmlns:a14="http://schemas.microsoft.com/office/drawing/2010/main" w="9525">
                     <a:solidFill>
                       <a:srgbClr val="000000"/>
                     </a:solidFill>
@@ -9621,7 +9621,7 @@
               </a:ln>
               <a:extLst>
                 <a:ext uri="{91240B29-F687-4f45-9708-019B960494DF}">
-                  <a14:hiddenLine xmlns:a14="http://schemas.microsoft.com/office/drawing/2010/main" xmlns="" w="9525">
+                  <a14:hiddenLine xmlns="" xmlns:a14="http://schemas.microsoft.com/office/drawing/2010/main" w="9525">
                     <a:solidFill>
                       <a:srgbClr val="000000"/>
                     </a:solidFill>
@@ -9711,7 +9711,7 @@
               </a:ln>
               <a:extLst>
                 <a:ext uri="{91240B29-F687-4f45-9708-019B960494DF}">
-                  <a14:hiddenLine xmlns:a14="http://schemas.microsoft.com/office/drawing/2010/main" xmlns="" w="9525">
+                  <a14:hiddenLine xmlns="" xmlns:a14="http://schemas.microsoft.com/office/drawing/2010/main" w="9525">
                     <a:solidFill>
                       <a:srgbClr val="000000"/>
                     </a:solidFill>
@@ -9801,7 +9801,7 @@
               </a:ln>
               <a:extLst>
                 <a:ext uri="{91240B29-F687-4f45-9708-019B960494DF}">
-                  <a14:hiddenLine xmlns:a14="http://schemas.microsoft.com/office/drawing/2010/main" xmlns="" w="9525">
+                  <a14:hiddenLine xmlns="" xmlns:a14="http://schemas.microsoft.com/office/drawing/2010/main" w="9525">
                     <a:solidFill>
                       <a:srgbClr val="000000"/>
                     </a:solidFill>
@@ -9863,7 +9863,7 @@
               </a:ln>
               <a:extLst>
                 <a:ext uri="{91240B29-F687-4f45-9708-019B960494DF}">
-                  <a14:hiddenLine xmlns:a14="http://schemas.microsoft.com/office/drawing/2010/main" xmlns="" w="9525">
+                  <a14:hiddenLine xmlns="" xmlns:a14="http://schemas.microsoft.com/office/drawing/2010/main" w="9525">
                     <a:solidFill>
                       <a:srgbClr val="000000"/>
                     </a:solidFill>
@@ -9973,7 +9973,7 @@
               </a:ln>
               <a:extLst>
                 <a:ext uri="{91240B29-F687-4f45-9708-019B960494DF}">
-                  <a14:hiddenLine xmlns:a14="http://schemas.microsoft.com/office/drawing/2010/main" xmlns="" w="9525">
+                  <a14:hiddenLine xmlns="" xmlns:a14="http://schemas.microsoft.com/office/drawing/2010/main" w="9525">
                     <a:solidFill>
                       <a:srgbClr val="000000"/>
                     </a:solidFill>
@@ -10057,7 +10057,7 @@
               </a:ln>
               <a:extLst>
                 <a:ext uri="{91240B29-F687-4f45-9708-019B960494DF}">
-                  <a14:hiddenLine xmlns:a14="http://schemas.microsoft.com/office/drawing/2010/main" xmlns="" w="9525">
+                  <a14:hiddenLine xmlns="" xmlns:a14="http://schemas.microsoft.com/office/drawing/2010/main" w="9525">
                     <a:solidFill>
                       <a:srgbClr val="000000"/>
                     </a:solidFill>
@@ -10119,7 +10119,7 @@
               </a:ln>
               <a:extLst>
                 <a:ext uri="{91240B29-F687-4f45-9708-019B960494DF}">
-                  <a14:hiddenLine xmlns:a14="http://schemas.microsoft.com/office/drawing/2010/main" xmlns="" w="9525">
+                  <a14:hiddenLine xmlns="" xmlns:a14="http://schemas.microsoft.com/office/drawing/2010/main" w="9525">
                     <a:solidFill>
                       <a:srgbClr val="000000"/>
                     </a:solidFill>
@@ -10181,7 +10181,7 @@
               </a:ln>
               <a:extLst>
                 <a:ext uri="{91240B29-F687-4f45-9708-019B960494DF}">
-                  <a14:hiddenLine xmlns:a14="http://schemas.microsoft.com/office/drawing/2010/main" xmlns="" w="9525">
+                  <a14:hiddenLine xmlns="" xmlns:a14="http://schemas.microsoft.com/office/drawing/2010/main" w="9525">
                     <a:solidFill>
                       <a:srgbClr val="000000"/>
                     </a:solidFill>
@@ -10271,7 +10271,7 @@
               </a:ln>
               <a:extLst>
                 <a:ext uri="{91240B29-F687-4f45-9708-019B960494DF}">
-                  <a14:hiddenLine xmlns:a14="http://schemas.microsoft.com/office/drawing/2010/main" xmlns="" w="9525">
+                  <a14:hiddenLine xmlns="" xmlns:a14="http://schemas.microsoft.com/office/drawing/2010/main" w="9525">
                     <a:solidFill>
                       <a:srgbClr val="000000"/>
                     </a:solidFill>
@@ -10305,7 +10305,7 @@
               </a:ln>
               <a:extLst>
                 <a:ext uri="{91240B29-F687-4f45-9708-019B960494DF}">
-                  <a14:hiddenLine xmlns:a14="http://schemas.microsoft.com/office/drawing/2010/main" xmlns="" w="9525">
+                  <a14:hiddenLine xmlns="" xmlns:a14="http://schemas.microsoft.com/office/drawing/2010/main" w="9525">
                     <a:solidFill>
                       <a:srgbClr val="000000"/>
                     </a:solidFill>
@@ -10370,7 +10370,7 @@
               </a:ln>
               <a:extLst>
                 <a:ext uri="{91240B29-F687-4f45-9708-019B960494DF}">
-                  <a14:hiddenLine xmlns:a14="http://schemas.microsoft.com/office/drawing/2010/main" xmlns="" w="9525">
+                  <a14:hiddenLine xmlns="" xmlns:a14="http://schemas.microsoft.com/office/drawing/2010/main" w="9525">
                     <a:solidFill>
                       <a:srgbClr val="000000"/>
                     </a:solidFill>
@@ -10460,7 +10460,7 @@
               </a:ln>
               <a:extLst>
                 <a:ext uri="{91240B29-F687-4f45-9708-019B960494DF}">
-                  <a14:hiddenLine xmlns:a14="http://schemas.microsoft.com/office/drawing/2010/main" xmlns="" w="9525">
+                  <a14:hiddenLine xmlns="" xmlns:a14="http://schemas.microsoft.com/office/drawing/2010/main" w="9525">
                     <a:solidFill>
                       <a:srgbClr val="000000"/>
                     </a:solidFill>
@@ -10522,7 +10522,7 @@
               </a:ln>
               <a:extLst>
                 <a:ext uri="{91240B29-F687-4f45-9708-019B960494DF}">
-                  <a14:hiddenLine xmlns:a14="http://schemas.microsoft.com/office/drawing/2010/main" xmlns="" w="9525">
+                  <a14:hiddenLine xmlns="" xmlns:a14="http://schemas.microsoft.com/office/drawing/2010/main" w="9525">
                     <a:solidFill>
                       <a:srgbClr val="000000"/>
                     </a:solidFill>
@@ -10612,7 +10612,7 @@
               </a:ln>
               <a:extLst>
                 <a:ext uri="{91240B29-F687-4f45-9708-019B960494DF}">
-                  <a14:hiddenLine xmlns:a14="http://schemas.microsoft.com/office/drawing/2010/main" xmlns="" w="9525">
+                  <a14:hiddenLine xmlns="" xmlns:a14="http://schemas.microsoft.com/office/drawing/2010/main" w="9525">
                     <a:solidFill>
                       <a:srgbClr val="000000"/>
                     </a:solidFill>
@@ -10677,7 +10677,7 @@
               </a:ln>
               <a:extLst>
                 <a:ext uri="{91240B29-F687-4f45-9708-019B960494DF}">
-                  <a14:hiddenLine xmlns:a14="http://schemas.microsoft.com/office/drawing/2010/main" xmlns="" w="9525">
+                  <a14:hiddenLine xmlns="" xmlns:a14="http://schemas.microsoft.com/office/drawing/2010/main" w="9525">
                     <a:solidFill>
                       <a:srgbClr val="000000"/>
                     </a:solidFill>
@@ -10739,7 +10739,7 @@
               </a:ln>
               <a:extLst>
                 <a:ext uri="{91240B29-F687-4f45-9708-019B960494DF}">
-                  <a14:hiddenLine xmlns:a14="http://schemas.microsoft.com/office/drawing/2010/main" xmlns="" w="9525">
+                  <a14:hiddenLine xmlns="" xmlns:a14="http://schemas.microsoft.com/office/drawing/2010/main" w="9525">
                     <a:solidFill>
                       <a:srgbClr val="000000"/>
                     </a:solidFill>
@@ -10829,7 +10829,7 @@
               </a:ln>
               <a:extLst>
                 <a:ext uri="{91240B29-F687-4f45-9708-019B960494DF}">
-                  <a14:hiddenLine xmlns:a14="http://schemas.microsoft.com/office/drawing/2010/main" xmlns="" w="9525">
+                  <a14:hiddenLine xmlns="" xmlns:a14="http://schemas.microsoft.com/office/drawing/2010/main" w="9525">
                     <a:solidFill>
                       <a:srgbClr val="000000"/>
                     </a:solidFill>
@@ -10919,7 +10919,7 @@
               </a:ln>
               <a:extLst>
                 <a:ext uri="{91240B29-F687-4f45-9708-019B960494DF}">
-                  <a14:hiddenLine xmlns:a14="http://schemas.microsoft.com/office/drawing/2010/main" xmlns="" w="9525">
+                  <a14:hiddenLine xmlns="" xmlns:a14="http://schemas.microsoft.com/office/drawing/2010/main" w="9525">
                     <a:solidFill>
                       <a:srgbClr val="000000"/>
                     </a:solidFill>
@@ -10984,7 +10984,7 @@
               </a:ln>
               <a:extLst>
                 <a:ext uri="{91240B29-F687-4f45-9708-019B960494DF}">
-                  <a14:hiddenLine xmlns:a14="http://schemas.microsoft.com/office/drawing/2010/main" xmlns="" w="9525">
+                  <a14:hiddenLine xmlns="" xmlns:a14="http://schemas.microsoft.com/office/drawing/2010/main" w="9525">
                     <a:solidFill>
                       <a:srgbClr val="000000"/>
                     </a:solidFill>
@@ -11104,7 +11104,7 @@
               </a:ln>
               <a:extLst>
                 <a:ext uri="{91240B29-F687-4f45-9708-019B960494DF}">
-                  <a14:hiddenLine xmlns:a14="http://schemas.microsoft.com/office/drawing/2010/main" xmlns="" w="9525">
+                  <a14:hiddenLine xmlns="" xmlns:a14="http://schemas.microsoft.com/office/drawing/2010/main" w="9525">
                     <a:solidFill>
                       <a:srgbClr val="000000"/>
                     </a:solidFill>
@@ -11185,7 +11185,7 @@
               </a:ln>
               <a:extLst>
                 <a:ext uri="{91240B29-F687-4f45-9708-019B960494DF}">
-                  <a14:hiddenLine xmlns:a14="http://schemas.microsoft.com/office/drawing/2010/main" xmlns="" w="9525">
+                  <a14:hiddenLine xmlns="" xmlns:a14="http://schemas.microsoft.com/office/drawing/2010/main" w="9525">
                     <a:solidFill>
                       <a:srgbClr val="000000"/>
                     </a:solidFill>
@@ -11300,7 +11300,7 @@
               </a:ln>
               <a:extLst>
                 <a:ext uri="{91240B29-F687-4f45-9708-019B960494DF}">
-                  <a14:hiddenLine xmlns:a14="http://schemas.microsoft.com/office/drawing/2010/main" xmlns="" w="9525">
+                  <a14:hiddenLine xmlns="" xmlns:a14="http://schemas.microsoft.com/office/drawing/2010/main" w="9525">
                     <a:solidFill>
                       <a:srgbClr val="000000"/>
                     </a:solidFill>
@@ -11390,7 +11390,7 @@
               </a:ln>
               <a:extLst>
                 <a:ext uri="{91240B29-F687-4f45-9708-019B960494DF}">
-                  <a14:hiddenLine xmlns:a14="http://schemas.microsoft.com/office/drawing/2010/main" xmlns="" w="9525">
+                  <a14:hiddenLine xmlns="" xmlns:a14="http://schemas.microsoft.com/office/drawing/2010/main" w="9525">
                     <a:solidFill>
                       <a:srgbClr val="000000"/>
                     </a:solidFill>
@@ -11455,7 +11455,7 @@
               </a:ln>
               <a:extLst>
                 <a:ext uri="{91240B29-F687-4f45-9708-019B960494DF}">
-                  <a14:hiddenLine xmlns:a14="http://schemas.microsoft.com/office/drawing/2010/main" xmlns="" w="9525">
+                  <a14:hiddenLine xmlns="" xmlns:a14="http://schemas.microsoft.com/office/drawing/2010/main" w="9525">
                     <a:solidFill>
                       <a:srgbClr val="000000"/>
                     </a:solidFill>
@@ -11545,7 +11545,7 @@
               </a:ln>
               <a:extLst>
                 <a:ext uri="{91240B29-F687-4f45-9708-019B960494DF}">
-                  <a14:hiddenLine xmlns:a14="http://schemas.microsoft.com/office/drawing/2010/main" xmlns="" w="9525">
+                  <a14:hiddenLine xmlns="" xmlns:a14="http://schemas.microsoft.com/office/drawing/2010/main" w="9525">
                     <a:solidFill>
                       <a:srgbClr val="000000"/>
                     </a:solidFill>
@@ -11613,7 +11613,7 @@
               </a:ln>
               <a:extLst>
                 <a:ext uri="{91240B29-F687-4f45-9708-019B960494DF}">
-                  <a14:hiddenLine xmlns:a14="http://schemas.microsoft.com/office/drawing/2010/main" xmlns="" w="9525">
+                  <a14:hiddenLine xmlns="" xmlns:a14="http://schemas.microsoft.com/office/drawing/2010/main" w="9525">
                     <a:solidFill>
                       <a:srgbClr val="000000"/>
                     </a:solidFill>
@@ -11703,7 +11703,7 @@
               </a:ln>
               <a:extLst>
                 <a:ext uri="{91240B29-F687-4f45-9708-019B960494DF}">
-                  <a14:hiddenLine xmlns:a14="http://schemas.microsoft.com/office/drawing/2010/main" xmlns="" w="9525">
+                  <a14:hiddenLine xmlns="" xmlns:a14="http://schemas.microsoft.com/office/drawing/2010/main" w="9525">
                     <a:solidFill>
                       <a:srgbClr val="000000"/>
                     </a:solidFill>
@@ -11771,7 +11771,7 @@
               </a:ln>
               <a:extLst>
                 <a:ext uri="{91240B29-F687-4f45-9708-019B960494DF}">
-                  <a14:hiddenLine xmlns:a14="http://schemas.microsoft.com/office/drawing/2010/main" xmlns="" w="9525">
+                  <a14:hiddenLine xmlns="" xmlns:a14="http://schemas.microsoft.com/office/drawing/2010/main" w="9525">
                     <a:solidFill>
                       <a:srgbClr val="000000"/>
                     </a:solidFill>
@@ -11861,7 +11861,7 @@
               </a:ln>
               <a:extLst>
                 <a:ext uri="{91240B29-F687-4f45-9708-019B960494DF}">
-                  <a14:hiddenLine xmlns:a14="http://schemas.microsoft.com/office/drawing/2010/main" xmlns="" w="9525">
+                  <a14:hiddenLine xmlns="" xmlns:a14="http://schemas.microsoft.com/office/drawing/2010/main" w="9525">
                     <a:solidFill>
                       <a:srgbClr val="000000"/>
                     </a:solidFill>
@@ -11895,7 +11895,7 @@
               </a:ln>
               <a:extLst>
                 <a:ext uri="{91240B29-F687-4f45-9708-019B960494DF}">
-                  <a14:hiddenLine xmlns:a14="http://schemas.microsoft.com/office/drawing/2010/main" xmlns="" w="9525">
+                  <a14:hiddenLine xmlns="" xmlns:a14="http://schemas.microsoft.com/office/drawing/2010/main" w="9525">
                     <a:solidFill>
                       <a:srgbClr val="000000"/>
                     </a:solidFill>
@@ -12035,7 +12035,7 @@
           <a:p>
             <a:fld id="{6E37D865-3556-4CE5-B574-A35DADBAEBFC}" type="datetimeFigureOut">
               <a:rPr lang="pl-PL" smtClean="0"/>
-              <a:t>08.01.2026</a:t>
+              <a:t>12.01.2026</a:t>
             </a:fld>
             <a:endParaRPr lang="pl-PL"/>
           </a:p>
@@ -12910,7 +12910,23 @@
                 </a:solidFill>
                 <a:effectLst/>
               </a:rPr>
-              <a:t>Lokalizacja punktu p polega na zejściu w dół drzewa BST, począwszy od korzenia. W każdym węźle (reprezentującym separator) podejmowana jest decyzja binarna: czy punkt znajduje się na lewo, czy na prawo od tego łańcucha? Decyzja ta determinuje wybór kolejnego dziecka (lewego lub prawego) i zawęża obszar poszukiwań o połowę. Po wyznaczeniu dwóch separatorów po między którymi znajduje się punkt, binarnie wyznacza się region go zawierający. </a:t>
+              <a:t>Lokalizacja punktu p polega na zejściu w dół drzewa BST, począwszy od korzenia. W każdym węźle (reprezentującym separator) podejmowana jest decyzja binarna: czy punkt znajduje się na lewo, czy na prawo od tego łańcucha? Decyzja ta determinuje wybór kolejnego dziecka (lewego lub prawego) i zawęża obszar poszukiwań o połowę. Po wyznaczeniu dwóch separatorów po między którymi znajduje się punkt, </a:t>
+            </a:r>
+            <a:r>
+              <a:rPr lang="pl-PL" altLang="pl-PL" dirty="0"/>
+              <a:t>a</a:t>
+            </a:r>
+            <a:r>
+              <a:rPr kumimoji="0" lang="pl-PL" altLang="pl-PL" b="0" i="0" u="none" strike="noStrike" cap="none" normalizeH="0" baseline="0" dirty="0">
+                <a:ln>
+                  <a:noFill/>
+                </a:ln>
+                <a:solidFill>
+                  <a:schemeClr val="tx1"/>
+                </a:solidFill>
+                <a:effectLst/>
+              </a:rPr>
+              <a:t>lgorytm wyznacza region go zawierający. </a:t>
             </a:r>
             <a:r>
               <a:rPr lang="pl-PL" altLang="pl-PL" dirty="0"/>
